--- a/Presentation Markin Diplom.pptx
+++ b/Presentation Markin Diplom.pptx
@@ -9,17 +9,16 @@
     <p:sldId id="257" r:id="rId3"/>
     <p:sldId id="259" r:id="rId4"/>
     <p:sldId id="261" r:id="rId5"/>
-    <p:sldId id="260" r:id="rId6"/>
-    <p:sldId id="262" r:id="rId7"/>
-    <p:sldId id="263" r:id="rId8"/>
-    <p:sldId id="264" r:id="rId9"/>
-    <p:sldId id="265" r:id="rId10"/>
-    <p:sldId id="266" r:id="rId11"/>
-    <p:sldId id="267" r:id="rId12"/>
-    <p:sldId id="268" r:id="rId13"/>
-    <p:sldId id="269" r:id="rId14"/>
-    <p:sldId id="270" r:id="rId15"/>
-    <p:sldId id="258" r:id="rId16"/>
+    <p:sldId id="262" r:id="rId6"/>
+    <p:sldId id="263" r:id="rId7"/>
+    <p:sldId id="264" r:id="rId8"/>
+    <p:sldId id="265" r:id="rId9"/>
+    <p:sldId id="266" r:id="rId10"/>
+    <p:sldId id="267" r:id="rId11"/>
+    <p:sldId id="268" r:id="rId12"/>
+    <p:sldId id="269" r:id="rId13"/>
+    <p:sldId id="270" r:id="rId14"/>
+    <p:sldId id="258" r:id="rId15"/>
   </p:sldIdLst>
   <p:sldSz cx="12192000" cy="6858000"/>
   <p:notesSz cx="6858000" cy="9144000"/>
@@ -118,6 +117,11 @@
       </a:defRPr>
     </a:lvl9pPr>
   </p:defaultTextStyle>
+  <p:extLst>
+    <p:ext uri="{EFAFB233-063F-42B5-8137-9DF3F51BA10A}">
+      <p15:sldGuideLst xmlns:p15="http://schemas.microsoft.com/office/powerpoint/2012/main"/>
+    </p:ext>
+  </p:extLst>
 </p:presentation>
 </file>
 
@@ -260,7 +264,7 @@
           <a:p>
             <a:fld id="{09CFE3C4-0C5E-478D-BE67-0A0ED66BA3BE}" type="datetimeFigureOut">
               <a:rPr lang="ru-RU" smtClean="0"/>
-              <a:t>17.06.2022</a:t>
+              <a:t>23.06.2022</a:t>
             </a:fld>
             <a:endParaRPr lang="ru-RU"/>
           </a:p>
@@ -471,7 +475,7 @@
           <a:p>
             <a:fld id="{09CFE3C4-0C5E-478D-BE67-0A0ED66BA3BE}" type="datetimeFigureOut">
               <a:rPr lang="ru-RU" smtClean="0"/>
-              <a:t>17.06.2022</a:t>
+              <a:t>23.06.2022</a:t>
             </a:fld>
             <a:endParaRPr lang="ru-RU"/>
           </a:p>
@@ -686,7 +690,7 @@
           <a:p>
             <a:fld id="{09CFE3C4-0C5E-478D-BE67-0A0ED66BA3BE}" type="datetimeFigureOut">
               <a:rPr lang="ru-RU" smtClean="0"/>
-              <a:t>17.06.2022</a:t>
+              <a:t>23.06.2022</a:t>
             </a:fld>
             <a:endParaRPr lang="ru-RU"/>
           </a:p>
@@ -887,7 +891,7 @@
           <a:p>
             <a:fld id="{09CFE3C4-0C5E-478D-BE67-0A0ED66BA3BE}" type="datetimeFigureOut">
               <a:rPr lang="ru-RU" smtClean="0"/>
-              <a:t>17.06.2022</a:t>
+              <a:t>23.06.2022</a:t>
             </a:fld>
             <a:endParaRPr lang="ru-RU"/>
           </a:p>
@@ -1166,7 +1170,7 @@
           <a:p>
             <a:fld id="{09CFE3C4-0C5E-478D-BE67-0A0ED66BA3BE}" type="datetimeFigureOut">
               <a:rPr lang="ru-RU" smtClean="0"/>
-              <a:t>17.06.2022</a:t>
+              <a:t>23.06.2022</a:t>
             </a:fld>
             <a:endParaRPr lang="ru-RU"/>
           </a:p>
@@ -1434,7 +1438,7 @@
           <a:p>
             <a:fld id="{09CFE3C4-0C5E-478D-BE67-0A0ED66BA3BE}" type="datetimeFigureOut">
               <a:rPr lang="ru-RU" smtClean="0"/>
-              <a:t>17.06.2022</a:t>
+              <a:t>23.06.2022</a:t>
             </a:fld>
             <a:endParaRPr lang="ru-RU"/>
           </a:p>
@@ -1850,7 +1854,7 @@
           <a:p>
             <a:fld id="{09CFE3C4-0C5E-478D-BE67-0A0ED66BA3BE}" type="datetimeFigureOut">
               <a:rPr lang="ru-RU" smtClean="0"/>
-              <a:t>17.06.2022</a:t>
+              <a:t>23.06.2022</a:t>
             </a:fld>
             <a:endParaRPr lang="ru-RU"/>
           </a:p>
@@ -1999,7 +2003,7 @@
           <a:p>
             <a:fld id="{09CFE3C4-0C5E-478D-BE67-0A0ED66BA3BE}" type="datetimeFigureOut">
               <a:rPr lang="ru-RU" smtClean="0"/>
-              <a:t>17.06.2022</a:t>
+              <a:t>23.06.2022</a:t>
             </a:fld>
             <a:endParaRPr lang="ru-RU"/>
           </a:p>
@@ -2125,7 +2129,7 @@
           <a:p>
             <a:fld id="{09CFE3C4-0C5E-478D-BE67-0A0ED66BA3BE}" type="datetimeFigureOut">
               <a:rPr lang="ru-RU" smtClean="0"/>
-              <a:t>17.06.2022</a:t>
+              <a:t>23.06.2022</a:t>
             </a:fld>
             <a:endParaRPr lang="ru-RU"/>
           </a:p>
@@ -2376,7 +2380,7 @@
           <a:p>
             <a:fld id="{09CFE3C4-0C5E-478D-BE67-0A0ED66BA3BE}" type="datetimeFigureOut">
               <a:rPr lang="ru-RU" smtClean="0"/>
-              <a:t>17.06.2022</a:t>
+              <a:t>23.06.2022</a:t>
             </a:fld>
             <a:endParaRPr lang="ru-RU"/>
           </a:p>
@@ -2821,7 +2825,7 @@
           <a:p>
             <a:fld id="{09CFE3C4-0C5E-478D-BE67-0A0ED66BA3BE}" type="datetimeFigureOut">
               <a:rPr lang="ru-RU" smtClean="0"/>
-              <a:t>17.06.2022</a:t>
+              <a:t>23.06.2022</a:t>
             </a:fld>
             <a:endParaRPr lang="ru-RU"/>
           </a:p>
@@ -3148,7 +3152,7 @@
           <a:p>
             <a:fld id="{09CFE3C4-0C5E-478D-BE67-0A0ED66BA3BE}" type="datetimeFigureOut">
               <a:rPr lang="ru-RU" smtClean="0"/>
-              <a:t>17.06.2022</a:t>
+              <a:t>23.06.2022</a:t>
             </a:fld>
             <a:endParaRPr lang="ru-RU"/>
           </a:p>
@@ -3914,337 +3918,6 @@
                 <a:latin typeface="Times New Roman" panose="02020603050405020304" pitchFamily="18" charset="0"/>
                 <a:cs typeface="Times New Roman" panose="02020603050405020304" pitchFamily="18" charset="0"/>
               </a:rPr>
-              <a:t>Тестирование ПО</a:t>
-            </a:r>
-          </a:p>
-        </p:txBody>
-      </p:sp>
-      <p:sp>
-        <p:nvSpPr>
-          <p:cNvPr id="9" name="TextBox 8">
-            <a:extLst>
-              <a:ext uri="{FF2B5EF4-FFF2-40B4-BE49-F238E27FC236}">
-                <a16:creationId xmlns:a16="http://schemas.microsoft.com/office/drawing/2014/main" id="{04A8BFE5-6059-47E4-BA4F-DE732B34EB28}"/>
-              </a:ext>
-            </a:extLst>
-          </p:cNvPr>
-          <p:cNvSpPr txBox="1"/>
-          <p:nvPr/>
-        </p:nvSpPr>
-        <p:spPr>
-          <a:xfrm>
-            <a:off x="1451578" y="1853754"/>
-            <a:ext cx="9603275" cy="1938992"/>
-          </a:xfrm>
-          <a:prstGeom prst="rect">
-            <a:avLst/>
-          </a:prstGeom>
-          <a:noFill/>
-        </p:spPr>
-        <p:txBody>
-          <a:bodyPr wrap="square" rtlCol="0">
-            <a:spAutoFit/>
-          </a:bodyPr>
-          <a:lstStyle/>
-          <a:p>
-            <a:r>
-              <a:rPr lang="ru-RU" sz="2000" dirty="0">
-                <a:latin typeface="Times New Roman" panose="02020603050405020304" pitchFamily="18" charset="0"/>
-                <a:cs typeface="Times New Roman" panose="02020603050405020304" pitchFamily="18" charset="0"/>
-              </a:rPr>
-              <a:t>Интеграционное тестирование белого ящика</a:t>
-            </a:r>
-          </a:p>
-          <a:p>
-            <a:r>
-              <a:rPr lang="ru-RU" sz="2000" dirty="0">
-                <a:latin typeface="Times New Roman" panose="02020603050405020304" pitchFamily="18" charset="0"/>
-                <a:cs typeface="Times New Roman" panose="02020603050405020304" pitchFamily="18" charset="0"/>
-              </a:rPr>
-              <a:t>Пример:</a:t>
-            </a:r>
-          </a:p>
-          <a:p>
-            <a:pPr marL="342900" indent="-342900">
-              <a:buFont typeface="Arial" panose="020B0604020202020204" pitchFamily="34" charset="0"/>
-              <a:buChar char="•"/>
-            </a:pPr>
-            <a:r>
-              <a:rPr lang="ru-RU" sz="2000" dirty="0">
-                <a:latin typeface="Times New Roman" panose="02020603050405020304" pitchFamily="18" charset="0"/>
-                <a:cs typeface="Times New Roman" panose="02020603050405020304" pitchFamily="18" charset="0"/>
-              </a:rPr>
-              <a:t>Запустить приложение</a:t>
-            </a:r>
-          </a:p>
-          <a:p>
-            <a:pPr marL="342900" indent="-342900">
-              <a:buFont typeface="Arial" panose="020B0604020202020204" pitchFamily="34" charset="0"/>
-              <a:buChar char="•"/>
-            </a:pPr>
-            <a:r>
-              <a:rPr lang="ru-RU" sz="2000" dirty="0">
-                <a:latin typeface="Times New Roman" panose="02020603050405020304" pitchFamily="18" charset="0"/>
-                <a:cs typeface="Times New Roman" panose="02020603050405020304" pitchFamily="18" charset="0"/>
-              </a:rPr>
-              <a:t>На главном окне нажать двойным щелчком ПКМ, для перехода в окно сведений о рекламации</a:t>
-            </a:r>
-            <a:endParaRPr lang="ru-RU" sz="2000" b="1" dirty="0">
-              <a:latin typeface="Times New Roman" panose="02020603050405020304" pitchFamily="18" charset="0"/>
-              <a:cs typeface="Times New Roman" panose="02020603050405020304" pitchFamily="18" charset="0"/>
-            </a:endParaRPr>
-          </a:p>
-          <a:p>
-            <a:pPr marL="342900" indent="-342900">
-              <a:buFont typeface="Arial" panose="020B0604020202020204" pitchFamily="34" charset="0"/>
-              <a:buChar char="•"/>
-            </a:pPr>
-            <a:r>
-              <a:rPr lang="ru-RU" sz="2000" dirty="0">
-                <a:latin typeface="Times New Roman" panose="02020603050405020304" pitchFamily="18" charset="0"/>
-                <a:cs typeface="Times New Roman" panose="02020603050405020304" pitchFamily="18" charset="0"/>
-              </a:rPr>
-              <a:t>Передается именно тот объект который был выбран на предыдущем окне:</a:t>
-            </a:r>
-          </a:p>
-        </p:txBody>
-      </p:sp>
-      <p:pic>
-        <p:nvPicPr>
-          <p:cNvPr id="5" name="Рисунок 4">
-            <a:extLst>
-              <a:ext uri="{FF2B5EF4-FFF2-40B4-BE49-F238E27FC236}">
-                <a16:creationId xmlns:a16="http://schemas.microsoft.com/office/drawing/2014/main" id="{55364625-150A-4812-A019-63A1A083D611}"/>
-              </a:ext>
-            </a:extLst>
-          </p:cNvPr>
-          <p:cNvPicPr/>
-          <p:nvPr/>
-        </p:nvPicPr>
-        <p:blipFill rotWithShape="1">
-          <a:blip r:embed="rId2"/>
-          <a:srcRect l="29818" r="21942"/>
-          <a:stretch/>
-        </p:blipFill>
-        <p:spPr>
-          <a:xfrm>
-            <a:off x="4013199" y="3792746"/>
-            <a:ext cx="4202191" cy="2821414"/>
-          </a:xfrm>
-          <a:prstGeom prst="rect">
-            <a:avLst/>
-          </a:prstGeom>
-          <a:ln w="12700">
-            <a:solidFill>
-              <a:schemeClr val="tx1"/>
-            </a:solidFill>
-          </a:ln>
-        </p:spPr>
-      </p:pic>
-      <p:pic>
-        <p:nvPicPr>
-          <p:cNvPr id="6" name="Рисунок 5">
-            <a:extLst>
-              <a:ext uri="{FF2B5EF4-FFF2-40B4-BE49-F238E27FC236}">
-                <a16:creationId xmlns:a16="http://schemas.microsoft.com/office/drawing/2014/main" id="{6F465239-A29A-4BA6-B4F3-521A84C0879C}"/>
-              </a:ext>
-            </a:extLst>
-          </p:cNvPr>
-          <p:cNvPicPr>
-            <a:picLocks noChangeAspect="1"/>
-          </p:cNvPicPr>
-          <p:nvPr/>
-        </p:nvPicPr>
-        <p:blipFill>
-          <a:blip r:embed="rId3"/>
-          <a:stretch>
-            <a:fillRect/>
-          </a:stretch>
-        </p:blipFill>
-        <p:spPr>
-          <a:xfrm>
-            <a:off x="1743075" y="3792746"/>
-            <a:ext cx="8705850" cy="2124075"/>
-          </a:xfrm>
-          <a:prstGeom prst="rect">
-            <a:avLst/>
-          </a:prstGeom>
-        </p:spPr>
-      </p:pic>
-    </p:spTree>
-    <p:extLst>
-      <p:ext uri="{BB962C8B-B14F-4D97-AF65-F5344CB8AC3E}">
-        <p14:creationId xmlns:p14="http://schemas.microsoft.com/office/powerpoint/2010/main" val="1955947767"/>
-      </p:ext>
-    </p:extLst>
-  </p:cSld>
-  <p:clrMapOvr>
-    <a:masterClrMapping/>
-  </p:clrMapOvr>
-  <p:timing>
-    <p:tnLst>
-      <p:par>
-        <p:cTn id="1" dur="indefinite" restart="never" nodeType="tmRoot">
-          <p:childTnLst>
-            <p:seq concurrent="1" nextAc="seek">
-              <p:cTn id="2" dur="indefinite" nodeType="mainSeq">
-                <p:childTnLst>
-                  <p:par>
-                    <p:cTn id="3" fill="hold">
-                      <p:stCondLst>
-                        <p:cond delay="indefinite"/>
-                      </p:stCondLst>
-                      <p:childTnLst>
-                        <p:par>
-                          <p:cTn id="4" fill="hold">
-                            <p:stCondLst>
-                              <p:cond delay="0"/>
-                            </p:stCondLst>
-                            <p:childTnLst>
-                              <p:par>
-                                <p:cTn id="5" presetID="10" presetClass="exit" presetSubtype="0" fill="hold" nodeType="clickEffect">
-                                  <p:stCondLst>
-                                    <p:cond delay="0"/>
-                                  </p:stCondLst>
-                                  <p:childTnLst>
-                                    <p:animEffect transition="out" filter="fade">
-                                      <p:cBhvr>
-                                        <p:cTn id="6" dur="500"/>
-                                        <p:tgtEl>
-                                          <p:spTgt spid="6"/>
-                                        </p:tgtEl>
-                                      </p:cBhvr>
-                                    </p:animEffect>
-                                    <p:set>
-                                      <p:cBhvr>
-                                        <p:cTn id="7" dur="1" fill="hold">
-                                          <p:stCondLst>
-                                            <p:cond delay="499"/>
-                                          </p:stCondLst>
-                                        </p:cTn>
-                                        <p:tgtEl>
-                                          <p:spTgt spid="6"/>
-                                        </p:tgtEl>
-                                        <p:attrNameLst>
-                                          <p:attrName>style.visibility</p:attrName>
-                                        </p:attrNameLst>
-                                      </p:cBhvr>
-                                      <p:to>
-                                        <p:strVal val="hidden"/>
-                                      </p:to>
-                                    </p:set>
-                                  </p:childTnLst>
-                                </p:cTn>
-                              </p:par>
-                              <p:par>
-                                <p:cTn id="8" presetID="10" presetClass="entr" presetSubtype="0" fill="hold" nodeType="withEffect">
-                                  <p:stCondLst>
-                                    <p:cond delay="200"/>
-                                  </p:stCondLst>
-                                  <p:childTnLst>
-                                    <p:set>
-                                      <p:cBhvr>
-                                        <p:cTn id="9" dur="1" fill="hold">
-                                          <p:stCondLst>
-                                            <p:cond delay="0"/>
-                                          </p:stCondLst>
-                                        </p:cTn>
-                                        <p:tgtEl>
-                                          <p:spTgt spid="5"/>
-                                        </p:tgtEl>
-                                        <p:attrNameLst>
-                                          <p:attrName>style.visibility</p:attrName>
-                                        </p:attrNameLst>
-                                      </p:cBhvr>
-                                      <p:to>
-                                        <p:strVal val="visible"/>
-                                      </p:to>
-                                    </p:set>
-                                    <p:animEffect transition="in" filter="fade">
-                                      <p:cBhvr>
-                                        <p:cTn id="10" dur="500"/>
-                                        <p:tgtEl>
-                                          <p:spTgt spid="5"/>
-                                        </p:tgtEl>
-                                      </p:cBhvr>
-                                    </p:animEffect>
-                                  </p:childTnLst>
-                                </p:cTn>
-                              </p:par>
-                            </p:childTnLst>
-                          </p:cTn>
-                        </p:par>
-                      </p:childTnLst>
-                    </p:cTn>
-                  </p:par>
-                </p:childTnLst>
-              </p:cTn>
-              <p:prevCondLst>
-                <p:cond evt="onPrev" delay="0">
-                  <p:tgtEl>
-                    <p:sldTgt/>
-                  </p:tgtEl>
-                </p:cond>
-              </p:prevCondLst>
-              <p:nextCondLst>
-                <p:cond evt="onNext" delay="0">
-                  <p:tgtEl>
-                    <p:sldTgt/>
-                  </p:tgtEl>
-                </p:cond>
-              </p:nextCondLst>
-            </p:seq>
-          </p:childTnLst>
-        </p:cTn>
-      </p:par>
-    </p:tnLst>
-  </p:timing>
-</p:sld>
-</file>
-
-<file path=ppt/slides/slide11.xml><?xml version="1.0" encoding="utf-8"?>
-<p:sld xmlns:a="http://schemas.openxmlformats.org/drawingml/2006/main" xmlns:r="http://schemas.openxmlformats.org/officeDocument/2006/relationships" xmlns:p="http://schemas.openxmlformats.org/presentationml/2006/main">
-  <p:cSld>
-    <p:spTree>
-      <p:nvGrpSpPr>
-        <p:cNvPr id="1" name=""/>
-        <p:cNvGrpSpPr/>
-        <p:nvPr/>
-      </p:nvGrpSpPr>
-      <p:grpSpPr>
-        <a:xfrm>
-          <a:off x="0" y="0"/>
-          <a:ext cx="0" cy="0"/>
-          <a:chOff x="0" y="0"/>
-          <a:chExt cx="0" cy="0"/>
-        </a:xfrm>
-      </p:grpSpPr>
-      <p:sp>
-        <p:nvSpPr>
-          <p:cNvPr id="2" name="Заголовок 1">
-            <a:extLst>
-              <a:ext uri="{FF2B5EF4-FFF2-40B4-BE49-F238E27FC236}">
-                <a16:creationId xmlns:a16="http://schemas.microsoft.com/office/drawing/2014/main" id="{7CDDC7AA-B0BF-41BD-88F3-CAE0DEF47F7C}"/>
-              </a:ext>
-            </a:extLst>
-          </p:cNvPr>
-          <p:cNvSpPr>
-            <a:spLocks noGrp="1"/>
-          </p:cNvSpPr>
-          <p:nvPr>
-            <p:ph type="title"/>
-          </p:nvPr>
-        </p:nvSpPr>
-        <p:spPr/>
-        <p:txBody>
-          <a:bodyPr/>
-          <a:lstStyle/>
-          <a:p>
-            <a:r>
-              <a:rPr lang="ru-RU" dirty="0">
-                <a:latin typeface="Times New Roman" panose="02020603050405020304" pitchFamily="18" charset="0"/>
-                <a:cs typeface="Times New Roman" panose="02020603050405020304" pitchFamily="18" charset="0"/>
-              </a:rPr>
               <a:t>Отладка ПО</a:t>
             </a:r>
           </a:p>
@@ -4399,7 +4072,7 @@
           <p:nvPr/>
         </p:nvPicPr>
         <p:blipFill rotWithShape="1">
-          <a:blip r:embed="rId3"/>
+          <a:blip r:embed="rId2"/>
           <a:srcRect b="13040"/>
           <a:stretch/>
         </p:blipFill>
@@ -4426,7 +4099,7 @@
           <p:nvPr/>
         </p:nvPicPr>
         <p:blipFill>
-          <a:blip r:embed="rId4"/>
+          <a:blip r:embed="rId3"/>
           <a:stretch>
             <a:fillRect/>
           </a:stretch>
@@ -4493,7 +4166,7 @@
           <p:nvPr/>
         </p:nvPicPr>
         <p:blipFill>
-          <a:blip r:embed="rId5"/>
+          <a:blip r:embed="rId4"/>
           <a:stretch>
             <a:fillRect/>
           </a:stretch>
@@ -4521,7 +4194,7 @@
           <p:nvPr/>
         </p:nvPicPr>
         <p:blipFill>
-          <a:blip r:embed="rId6"/>
+          <a:blip r:embed="rId5"/>
           <a:stretch>
             <a:fillRect/>
           </a:stretch>
@@ -4588,7 +4261,7 @@
           <p:nvPr/>
         </p:nvPicPr>
         <p:blipFill rotWithShape="1">
-          <a:blip r:embed="rId7"/>
+          <a:blip r:embed="rId6"/>
           <a:srcRect r="12265"/>
           <a:stretch/>
         </p:blipFill>
@@ -4623,7 +4296,7 @@
           <p:nvPr/>
         </p:nvPicPr>
         <p:blipFill rotWithShape="1">
-          <a:blip r:embed="rId8"/>
+          <a:blip r:embed="rId7"/>
           <a:srcRect r="7407"/>
           <a:stretch/>
         </p:blipFill>
@@ -4735,7 +4408,7 @@
 </p:sld>
 </file>
 
-<file path=ppt/slides/slide12.xml><?xml version="1.0" encoding="utf-8"?>
+<file path=ppt/slides/slide11.xml><?xml version="1.0" encoding="utf-8"?>
 <p:sld xmlns:a="http://schemas.openxmlformats.org/drawingml/2006/main" xmlns:r="http://schemas.openxmlformats.org/officeDocument/2006/relationships" xmlns:p="http://schemas.openxmlformats.org/presentationml/2006/main">
   <p:cSld>
     <p:spTree>
@@ -5755,7 +5428,7 @@
 </p:sld>
 </file>
 
-<file path=ppt/slides/slide13.xml><?xml version="1.0" encoding="utf-8"?>
+<file path=ppt/slides/slide12.xml><?xml version="1.0" encoding="utf-8"?>
 <p:sld xmlns:a="http://schemas.openxmlformats.org/drawingml/2006/main" xmlns:r="http://schemas.openxmlformats.org/officeDocument/2006/relationships" xmlns:p="http://schemas.openxmlformats.org/presentationml/2006/main">
   <p:cSld>
     <p:spTree>
@@ -6414,7 +6087,7 @@
 </p:sld>
 </file>
 
-<file path=ppt/slides/slide14.xml><?xml version="1.0" encoding="utf-8"?>
+<file path=ppt/slides/slide13.xml><?xml version="1.0" encoding="utf-8"?>
 <p:sld xmlns:a="http://schemas.openxmlformats.org/drawingml/2006/main" xmlns:r="http://schemas.openxmlformats.org/officeDocument/2006/relationships" xmlns:p="http://schemas.openxmlformats.org/presentationml/2006/main">
   <p:cSld>
     <p:spTree>
@@ -6612,7 +6285,7 @@
 </p:sld>
 </file>
 
-<file path=ppt/slides/slide15.xml><?xml version="1.0" encoding="utf-8"?>
+<file path=ppt/slides/slide14.xml><?xml version="1.0" encoding="utf-8"?>
 <p:sld xmlns:a="http://schemas.openxmlformats.org/drawingml/2006/main" xmlns:r="http://schemas.openxmlformats.org/officeDocument/2006/relationships" xmlns:p="http://schemas.openxmlformats.org/presentationml/2006/main">
   <p:cSld>
     <p:spTree>
@@ -7318,7 +6991,7 @@
                 <a:latin typeface="Times New Roman" panose="02020603050405020304" pitchFamily="18" charset="0"/>
                 <a:cs typeface="Times New Roman" panose="02020603050405020304" pitchFamily="18" charset="0"/>
               </a:rPr>
-              <a:t>Детальное проектирования</a:t>
+              <a:t>Детальное проектирование</a:t>
             </a:r>
           </a:p>
         </p:txBody>
@@ -7337,7 +7010,7 @@
         </p:nvSpPr>
         <p:spPr>
           <a:xfrm>
-            <a:off x="7516909" y="5125484"/>
+            <a:off x="7516908" y="5032796"/>
             <a:ext cx="4428435" cy="369332"/>
           </a:xfrm>
           <a:prstGeom prst="rect">
@@ -7376,7 +7049,7 @@
         </p:nvSpPr>
         <p:spPr>
           <a:xfrm>
-            <a:off x="1150393" y="3305951"/>
+            <a:off x="1243527" y="2922417"/>
             <a:ext cx="4828147" cy="369332"/>
           </a:xfrm>
           <a:prstGeom prst="rect">
@@ -7420,7 +7093,7 @@
         </p:blipFill>
         <p:spPr bwMode="auto">
           <a:xfrm>
-            <a:off x="594572" y="2156660"/>
+            <a:off x="594571" y="1882158"/>
             <a:ext cx="5939790" cy="1079500"/>
           </a:xfrm>
           <a:prstGeom prst="rect">
@@ -7456,47 +7129,12 @@
         </p:blipFill>
         <p:spPr>
           <a:xfrm>
-            <a:off x="7930655" y="1947356"/>
+            <a:off x="7930654" y="1885738"/>
             <a:ext cx="3600944" cy="3086523"/>
           </a:xfrm>
           <a:prstGeom prst="rect">
             <a:avLst/>
           </a:prstGeom>
-        </p:spPr>
-      </p:pic>
-      <p:pic>
-        <p:nvPicPr>
-          <p:cNvPr id="13" name="Рисунок 12">
-            <a:extLst>
-              <a:ext uri="{FF2B5EF4-FFF2-40B4-BE49-F238E27FC236}">
-                <a16:creationId xmlns:a16="http://schemas.microsoft.com/office/drawing/2014/main" id="{57134C59-EA57-42E8-BCF6-C255B89C923D}"/>
-              </a:ext>
-            </a:extLst>
-          </p:cNvPr>
-          <p:cNvPicPr/>
-          <p:nvPr/>
-        </p:nvPicPr>
-        <p:blipFill rotWithShape="1">
-          <a:blip r:embed="rId4"/>
-          <a:srcRect b="1876"/>
-          <a:stretch/>
-        </p:blipFill>
-        <p:spPr bwMode="auto">
-          <a:xfrm>
-            <a:off x="594572" y="3893703"/>
-            <a:ext cx="5939790" cy="1047115"/>
-          </a:xfrm>
-          <a:prstGeom prst="rect">
-            <a:avLst/>
-          </a:prstGeom>
-          <a:ln>
-            <a:noFill/>
-          </a:ln>
-          <a:extLst>
-            <a:ext uri="{53640926-AAD7-44D8-BBD7-CCE9431645EC}">
-              <a14:shadowObscured xmlns:a14="http://schemas.microsoft.com/office/drawing/2010/main"/>
-            </a:ext>
-          </a:extLst>
         </p:spPr>
       </p:pic>
       <p:sp>
@@ -7534,6 +7172,72 @@
                 <a:cs typeface="Times New Roman" panose="02020603050405020304" pitchFamily="18" charset="0"/>
               </a:rPr>
               <a:t>Страница статистики за период</a:t>
+            </a:r>
+          </a:p>
+        </p:txBody>
+      </p:sp>
+      <p:pic>
+        <p:nvPicPr>
+          <p:cNvPr id="11" name="Рисунок 10">
+            <a:extLst>
+              <a:ext uri="{FF2B5EF4-FFF2-40B4-BE49-F238E27FC236}">
+                <a16:creationId xmlns:a16="http://schemas.microsoft.com/office/drawing/2014/main" id="{7AA03071-8504-4EB2-B26E-DCF0EBE896C9}"/>
+              </a:ext>
+            </a:extLst>
+          </p:cNvPr>
+          <p:cNvPicPr/>
+          <p:nvPr/>
+        </p:nvPicPr>
+        <p:blipFill rotWithShape="1">
+          <a:blip r:embed="rId4"/>
+          <a:srcRect t="3817"/>
+          <a:stretch/>
+        </p:blipFill>
+        <p:spPr>
+          <a:xfrm>
+            <a:off x="753324" y="3278412"/>
+            <a:ext cx="5994400" cy="2584735"/>
+          </a:xfrm>
+          <a:prstGeom prst="rect">
+            <a:avLst/>
+          </a:prstGeom>
+        </p:spPr>
+      </p:pic>
+      <p:sp>
+        <p:nvSpPr>
+          <p:cNvPr id="15" name="TextBox 14">
+            <a:extLst>
+              <a:ext uri="{FF2B5EF4-FFF2-40B4-BE49-F238E27FC236}">
+                <a16:creationId xmlns:a16="http://schemas.microsoft.com/office/drawing/2014/main" id="{62C62FC1-C0C5-4165-830D-98148AA077C7}"/>
+              </a:ext>
+            </a:extLst>
+          </p:cNvPr>
+          <p:cNvSpPr txBox="1"/>
+          <p:nvPr/>
+        </p:nvSpPr>
+        <p:spPr>
+          <a:xfrm>
+            <a:off x="1267853" y="5770313"/>
+            <a:ext cx="4828147" cy="369332"/>
+          </a:xfrm>
+          <a:prstGeom prst="rect">
+            <a:avLst/>
+          </a:prstGeom>
+          <a:noFill/>
+        </p:spPr>
+        <p:txBody>
+          <a:bodyPr wrap="square" rtlCol="0">
+            <a:spAutoFit/>
+          </a:bodyPr>
+          <a:lstStyle/>
+          <a:p>
+            <a:pPr algn="ctr"/>
+            <a:r>
+              <a:rPr lang="ru-RU" dirty="0">
+                <a:latin typeface="Times New Roman" panose="02020603050405020304" pitchFamily="18" charset="0"/>
+                <a:cs typeface="Times New Roman" panose="02020603050405020304" pitchFamily="18" charset="0"/>
+              </a:rPr>
+              <a:t>Страница информации о рекламации</a:t>
             </a:r>
           </a:p>
         </p:txBody>
@@ -7584,7 +7288,12 @@
             <p:ph type="title"/>
           </p:nvPr>
         </p:nvSpPr>
-        <p:spPr/>
+        <p:spPr>
+          <a:xfrm>
+            <a:off x="1485445" y="787586"/>
+            <a:ext cx="9603275" cy="1049235"/>
+          </a:xfrm>
+        </p:spPr>
         <p:txBody>
           <a:bodyPr/>
           <a:lstStyle/>
@@ -7594,536 +7303,7 @@
                 <a:latin typeface="Times New Roman" panose="02020603050405020304" pitchFamily="18" charset="0"/>
                 <a:cs typeface="Times New Roman" panose="02020603050405020304" pitchFamily="18" charset="0"/>
               </a:rPr>
-              <a:t>Детальное проектирования</a:t>
-            </a:r>
-          </a:p>
-        </p:txBody>
-      </p:sp>
-      <p:sp>
-        <p:nvSpPr>
-          <p:cNvPr id="8" name="TextBox 7">
-            <a:extLst>
-              <a:ext uri="{FF2B5EF4-FFF2-40B4-BE49-F238E27FC236}">
-                <a16:creationId xmlns:a16="http://schemas.microsoft.com/office/drawing/2014/main" id="{3B90F4BF-8FF2-430F-B046-3A4099814EAD}"/>
-              </a:ext>
-            </a:extLst>
-          </p:cNvPr>
-          <p:cNvSpPr txBox="1"/>
-          <p:nvPr/>
-        </p:nvSpPr>
-        <p:spPr>
-          <a:xfrm>
-            <a:off x="6718114" y="5789415"/>
-            <a:ext cx="4428435" cy="369332"/>
-          </a:xfrm>
-          <a:prstGeom prst="rect">
-            <a:avLst/>
-          </a:prstGeom>
-          <a:noFill/>
-        </p:spPr>
-        <p:txBody>
-          <a:bodyPr wrap="square" rtlCol="0">
-            <a:spAutoFit/>
-          </a:bodyPr>
-          <a:lstStyle/>
-          <a:p>
-            <a:pPr algn="ctr"/>
-            <a:r>
-              <a:rPr lang="ru-RU" dirty="0">
-                <a:latin typeface="Times New Roman" panose="02020603050405020304" pitchFamily="18" charset="0"/>
-                <a:cs typeface="Times New Roman" panose="02020603050405020304" pitchFamily="18" charset="0"/>
-              </a:rPr>
-              <a:t>Окно сведений о рекламации</a:t>
-            </a:r>
-          </a:p>
-        </p:txBody>
-      </p:sp>
-      <p:sp>
-        <p:nvSpPr>
-          <p:cNvPr id="9" name="TextBox 8">
-            <a:extLst>
-              <a:ext uri="{FF2B5EF4-FFF2-40B4-BE49-F238E27FC236}">
-                <a16:creationId xmlns:a16="http://schemas.microsoft.com/office/drawing/2014/main" id="{04A8BFE5-6059-47E4-BA4F-DE732B34EB28}"/>
-              </a:ext>
-            </a:extLst>
-          </p:cNvPr>
-          <p:cNvSpPr txBox="1"/>
-          <p:nvPr/>
-        </p:nvSpPr>
-        <p:spPr>
-          <a:xfrm>
-            <a:off x="2007399" y="2937933"/>
-            <a:ext cx="4828147" cy="369332"/>
-          </a:xfrm>
-          <a:prstGeom prst="rect">
-            <a:avLst/>
-          </a:prstGeom>
-          <a:noFill/>
-        </p:spPr>
-        <p:txBody>
-          <a:bodyPr wrap="square" rtlCol="0">
-            <a:spAutoFit/>
-          </a:bodyPr>
-          <a:lstStyle/>
-          <a:p>
-            <a:pPr algn="ctr"/>
-            <a:r>
-              <a:rPr lang="ru-RU" dirty="0">
-                <a:latin typeface="Times New Roman" panose="02020603050405020304" pitchFamily="18" charset="0"/>
-                <a:cs typeface="Times New Roman" panose="02020603050405020304" pitchFamily="18" charset="0"/>
-              </a:rPr>
-              <a:t>Страница задач по исполнителям</a:t>
-            </a:r>
-          </a:p>
-        </p:txBody>
-      </p:sp>
-      <p:pic>
-        <p:nvPicPr>
-          <p:cNvPr id="11" name="Рисунок 10">
-            <a:extLst>
-              <a:ext uri="{FF2B5EF4-FFF2-40B4-BE49-F238E27FC236}">
-                <a16:creationId xmlns:a16="http://schemas.microsoft.com/office/drawing/2014/main" id="{8841FFEC-A4E1-4478-BFD9-FA26BA844DBD}"/>
-              </a:ext>
-            </a:extLst>
-          </p:cNvPr>
-          <p:cNvPicPr/>
-          <p:nvPr/>
-        </p:nvPicPr>
-        <p:blipFill rotWithShape="1">
-          <a:blip r:embed="rId2"/>
-          <a:srcRect t="3817"/>
-          <a:stretch/>
-        </p:blipFill>
-        <p:spPr>
-          <a:xfrm>
-            <a:off x="5935131" y="3307264"/>
-            <a:ext cx="5994400" cy="2584735"/>
-          </a:xfrm>
-          <a:prstGeom prst="rect">
-            <a:avLst/>
-          </a:prstGeom>
-        </p:spPr>
-      </p:pic>
-      <p:pic>
-        <p:nvPicPr>
-          <p:cNvPr id="13" name="Рисунок 12">
-            <a:extLst>
-              <a:ext uri="{FF2B5EF4-FFF2-40B4-BE49-F238E27FC236}">
-                <a16:creationId xmlns:a16="http://schemas.microsoft.com/office/drawing/2014/main" id="{C51A0AF9-2295-49DD-8A3F-9936AC052BC8}"/>
-              </a:ext>
-            </a:extLst>
-          </p:cNvPr>
-          <p:cNvPicPr/>
-          <p:nvPr/>
-        </p:nvPicPr>
-        <p:blipFill rotWithShape="1">
-          <a:blip r:embed="rId3"/>
-          <a:srcRect t="-1" b="70787"/>
-          <a:stretch/>
-        </p:blipFill>
-        <p:spPr bwMode="auto">
-          <a:xfrm>
-            <a:off x="1451578" y="1955588"/>
-            <a:ext cx="5939790" cy="982345"/>
-          </a:xfrm>
-          <a:prstGeom prst="rect">
-            <a:avLst/>
-          </a:prstGeom>
-          <a:ln>
-            <a:noFill/>
-          </a:ln>
-          <a:extLst>
-            <a:ext uri="{53640926-AAD7-44D8-BBD7-CCE9431645EC}">
-              <a14:shadowObscured xmlns:a14="http://schemas.microsoft.com/office/drawing/2010/main"/>
-            </a:ext>
-          </a:extLst>
-        </p:spPr>
-      </p:pic>
-      <p:pic>
-        <p:nvPicPr>
-          <p:cNvPr id="14" name="Рисунок 13">
-            <a:extLst>
-              <a:ext uri="{FF2B5EF4-FFF2-40B4-BE49-F238E27FC236}">
-                <a16:creationId xmlns:a16="http://schemas.microsoft.com/office/drawing/2014/main" id="{F57D9A04-3D2E-4675-A4BC-755470D81561}"/>
-              </a:ext>
-            </a:extLst>
-          </p:cNvPr>
-          <p:cNvPicPr/>
-          <p:nvPr/>
-        </p:nvPicPr>
-        <p:blipFill>
-          <a:blip r:embed="rId4"/>
-          <a:stretch>
-            <a:fillRect/>
-          </a:stretch>
-        </p:blipFill>
-        <p:spPr>
-          <a:xfrm>
-            <a:off x="1451578" y="3429000"/>
-            <a:ext cx="2833370" cy="2263140"/>
-          </a:xfrm>
-          <a:prstGeom prst="rect">
-            <a:avLst/>
-          </a:prstGeom>
-        </p:spPr>
-      </p:pic>
-      <p:sp>
-        <p:nvSpPr>
-          <p:cNvPr id="15" name="TextBox 14">
-            <a:extLst>
-              <a:ext uri="{FF2B5EF4-FFF2-40B4-BE49-F238E27FC236}">
-                <a16:creationId xmlns:a16="http://schemas.microsoft.com/office/drawing/2014/main" id="{9A5D9CC7-7B8F-45E0-B909-344891BA5D40}"/>
-              </a:ext>
-            </a:extLst>
-          </p:cNvPr>
-          <p:cNvSpPr txBox="1"/>
-          <p:nvPr/>
-        </p:nvSpPr>
-        <p:spPr>
-          <a:xfrm>
-            <a:off x="454189" y="5615001"/>
-            <a:ext cx="4828147" cy="369332"/>
-          </a:xfrm>
-          <a:prstGeom prst="rect">
-            <a:avLst/>
-          </a:prstGeom>
-          <a:noFill/>
-        </p:spPr>
-        <p:txBody>
-          <a:bodyPr wrap="square" rtlCol="0">
-            <a:spAutoFit/>
-          </a:bodyPr>
-          <a:lstStyle/>
-          <a:p>
-            <a:pPr algn="ctr"/>
-            <a:r>
-              <a:rPr lang="ru-RU" dirty="0">
-                <a:latin typeface="Times New Roman" panose="02020603050405020304" pitchFamily="18" charset="0"/>
-                <a:cs typeface="Times New Roman" panose="02020603050405020304" pitchFamily="18" charset="0"/>
-              </a:rPr>
-              <a:t>Окно авторизации</a:t>
-            </a:r>
-          </a:p>
-        </p:txBody>
-      </p:sp>
-    </p:spTree>
-    <p:extLst>
-      <p:ext uri="{BB962C8B-B14F-4D97-AF65-F5344CB8AC3E}">
-        <p14:creationId xmlns:p14="http://schemas.microsoft.com/office/powerpoint/2010/main" val="642139884"/>
-      </p:ext>
-    </p:extLst>
-  </p:cSld>
-  <p:clrMapOvr>
-    <a:masterClrMapping/>
-  </p:clrMapOvr>
-</p:sld>
-</file>
-
-<file path=ppt/slides/slide6.xml><?xml version="1.0" encoding="utf-8"?>
-<p:sld xmlns:a="http://schemas.openxmlformats.org/drawingml/2006/main" xmlns:r="http://schemas.openxmlformats.org/officeDocument/2006/relationships" xmlns:p="http://schemas.openxmlformats.org/presentationml/2006/main">
-  <p:cSld>
-    <p:spTree>
-      <p:nvGrpSpPr>
-        <p:cNvPr id="1" name=""/>
-        <p:cNvGrpSpPr/>
-        <p:nvPr/>
-      </p:nvGrpSpPr>
-      <p:grpSpPr>
-        <a:xfrm>
-          <a:off x="0" y="0"/>
-          <a:ext cx="0" cy="0"/>
-          <a:chOff x="0" y="0"/>
-          <a:chExt cx="0" cy="0"/>
-        </a:xfrm>
-      </p:grpSpPr>
-      <p:sp>
-        <p:nvSpPr>
-          <p:cNvPr id="2" name="Заголовок 1">
-            <a:extLst>
-              <a:ext uri="{FF2B5EF4-FFF2-40B4-BE49-F238E27FC236}">
-                <a16:creationId xmlns:a16="http://schemas.microsoft.com/office/drawing/2014/main" id="{7CDDC7AA-B0BF-41BD-88F3-CAE0DEF47F7C}"/>
-              </a:ext>
-            </a:extLst>
-          </p:cNvPr>
-          <p:cNvSpPr>
-            <a:spLocks noGrp="1"/>
-          </p:cNvSpPr>
-          <p:nvPr>
-            <p:ph type="title"/>
-          </p:nvPr>
-        </p:nvSpPr>
-        <p:spPr/>
-        <p:txBody>
-          <a:bodyPr/>
-          <a:lstStyle/>
-          <a:p>
-            <a:r>
-              <a:rPr lang="ru-RU" dirty="0">
-                <a:latin typeface="Times New Roman" panose="02020603050405020304" pitchFamily="18" charset="0"/>
-                <a:cs typeface="Times New Roman" panose="02020603050405020304" pitchFamily="18" charset="0"/>
-              </a:rPr>
               <a:t>Проектирование базы данных</a:t>
-            </a:r>
-          </a:p>
-        </p:txBody>
-      </p:sp>
-      <p:sp>
-        <p:nvSpPr>
-          <p:cNvPr id="8" name="TextBox 7">
-            <a:extLst>
-              <a:ext uri="{FF2B5EF4-FFF2-40B4-BE49-F238E27FC236}">
-                <a16:creationId xmlns:a16="http://schemas.microsoft.com/office/drawing/2014/main" id="{3B90F4BF-8FF2-430F-B046-3A4099814EAD}"/>
-              </a:ext>
-            </a:extLst>
-          </p:cNvPr>
-          <p:cNvSpPr txBox="1"/>
-          <p:nvPr/>
-        </p:nvSpPr>
-        <p:spPr>
-          <a:xfrm>
-            <a:off x="-8816" y="3798365"/>
-            <a:ext cx="4428435" cy="369332"/>
-          </a:xfrm>
-          <a:prstGeom prst="rect">
-            <a:avLst/>
-          </a:prstGeom>
-          <a:noFill/>
-        </p:spPr>
-        <p:txBody>
-          <a:bodyPr wrap="square" rtlCol="0">
-            <a:spAutoFit/>
-          </a:bodyPr>
-          <a:lstStyle/>
-          <a:p>
-            <a:pPr algn="ctr"/>
-            <a:r>
-              <a:rPr lang="ru-RU" dirty="0">
-                <a:latin typeface="Times New Roman" panose="02020603050405020304" pitchFamily="18" charset="0"/>
-                <a:cs typeface="Times New Roman" panose="02020603050405020304" pitchFamily="18" charset="0"/>
-              </a:rPr>
-              <a:t>Таблица пользователей</a:t>
-            </a:r>
-          </a:p>
-        </p:txBody>
-      </p:sp>
-      <p:sp>
-        <p:nvSpPr>
-          <p:cNvPr id="9" name="TextBox 8">
-            <a:extLst>
-              <a:ext uri="{FF2B5EF4-FFF2-40B4-BE49-F238E27FC236}">
-                <a16:creationId xmlns:a16="http://schemas.microsoft.com/office/drawing/2014/main" id="{04A8BFE5-6059-47E4-BA4F-DE732B34EB28}"/>
-              </a:ext>
-            </a:extLst>
-          </p:cNvPr>
-          <p:cNvSpPr txBox="1"/>
-          <p:nvPr/>
-        </p:nvSpPr>
-        <p:spPr>
-          <a:xfrm>
-            <a:off x="7214412" y="4433372"/>
-            <a:ext cx="4828147" cy="369332"/>
-          </a:xfrm>
-          <a:prstGeom prst="rect">
-            <a:avLst/>
-          </a:prstGeom>
-          <a:noFill/>
-        </p:spPr>
-        <p:txBody>
-          <a:bodyPr wrap="square" rtlCol="0">
-            <a:spAutoFit/>
-          </a:bodyPr>
-          <a:lstStyle/>
-          <a:p>
-            <a:pPr algn="ctr"/>
-            <a:r>
-              <a:rPr lang="ru-RU" dirty="0">
-                <a:latin typeface="Times New Roman" panose="02020603050405020304" pitchFamily="18" charset="0"/>
-                <a:cs typeface="Times New Roman" panose="02020603050405020304" pitchFamily="18" charset="0"/>
-              </a:rPr>
-              <a:t>Таблица задач на рекламацию</a:t>
-            </a:r>
-          </a:p>
-        </p:txBody>
-      </p:sp>
-      <p:sp>
-        <p:nvSpPr>
-          <p:cNvPr id="15" name="TextBox 14">
-            <a:extLst>
-              <a:ext uri="{FF2B5EF4-FFF2-40B4-BE49-F238E27FC236}">
-                <a16:creationId xmlns:a16="http://schemas.microsoft.com/office/drawing/2014/main" id="{9A5D9CC7-7B8F-45E0-B909-344891BA5D40}"/>
-              </a:ext>
-            </a:extLst>
-          </p:cNvPr>
-          <p:cNvSpPr txBox="1"/>
-          <p:nvPr/>
-        </p:nvSpPr>
-        <p:spPr>
-          <a:xfrm>
-            <a:off x="3457739" y="5246786"/>
-            <a:ext cx="4828147" cy="369332"/>
-          </a:xfrm>
-          <a:prstGeom prst="rect">
-            <a:avLst/>
-          </a:prstGeom>
-          <a:noFill/>
-        </p:spPr>
-        <p:txBody>
-          <a:bodyPr wrap="square" rtlCol="0">
-            <a:spAutoFit/>
-          </a:bodyPr>
-          <a:lstStyle/>
-          <a:p>
-            <a:pPr algn="ctr"/>
-            <a:r>
-              <a:rPr lang="ru-RU" dirty="0">
-                <a:latin typeface="Times New Roman" panose="02020603050405020304" pitchFamily="18" charset="0"/>
-                <a:cs typeface="Times New Roman" panose="02020603050405020304" pitchFamily="18" charset="0"/>
-              </a:rPr>
-              <a:t>Таблица рекламаций</a:t>
-            </a:r>
-          </a:p>
-        </p:txBody>
-      </p:sp>
-      <p:pic>
-        <p:nvPicPr>
-          <p:cNvPr id="10" name="Рисунок 9">
-            <a:extLst>
-              <a:ext uri="{FF2B5EF4-FFF2-40B4-BE49-F238E27FC236}">
-                <a16:creationId xmlns:a16="http://schemas.microsoft.com/office/drawing/2014/main" id="{3AE13964-4261-49A9-A9B6-6CD6F8F18FBF}"/>
-              </a:ext>
-            </a:extLst>
-          </p:cNvPr>
-          <p:cNvPicPr/>
-          <p:nvPr/>
-        </p:nvPicPr>
-        <p:blipFill rotWithShape="1">
-          <a:blip r:embed="rId2"/>
-          <a:srcRect b="14979"/>
-          <a:stretch/>
-        </p:blipFill>
-        <p:spPr bwMode="auto">
-          <a:xfrm>
-            <a:off x="4045407" y="2426167"/>
-            <a:ext cx="3652812" cy="2820619"/>
-          </a:xfrm>
-          <a:prstGeom prst="rect">
-            <a:avLst/>
-          </a:prstGeom>
-          <a:ln>
-            <a:noFill/>
-          </a:ln>
-          <a:extLst>
-            <a:ext uri="{53640926-AAD7-44D8-BBD7-CCE9431645EC}">
-              <a14:shadowObscured xmlns:a14="http://schemas.microsoft.com/office/drawing/2010/main"/>
-            </a:ext>
-          </a:extLst>
-        </p:spPr>
-      </p:pic>
-      <p:pic>
-        <p:nvPicPr>
-          <p:cNvPr id="12" name="Рисунок 11">
-            <a:extLst>
-              <a:ext uri="{FF2B5EF4-FFF2-40B4-BE49-F238E27FC236}">
-                <a16:creationId xmlns:a16="http://schemas.microsoft.com/office/drawing/2014/main" id="{0230DA2D-9DDD-42B1-A0D7-FC9968260277}"/>
-              </a:ext>
-            </a:extLst>
-          </p:cNvPr>
-          <p:cNvPicPr/>
-          <p:nvPr/>
-        </p:nvPicPr>
-        <p:blipFill rotWithShape="1">
-          <a:blip r:embed="rId3"/>
-          <a:srcRect b="18519"/>
-          <a:stretch/>
-        </p:blipFill>
-        <p:spPr bwMode="auto">
-          <a:xfrm>
-            <a:off x="7866903" y="2426167"/>
-            <a:ext cx="3523166" cy="2005665"/>
-          </a:xfrm>
-          <a:prstGeom prst="rect">
-            <a:avLst/>
-          </a:prstGeom>
-          <a:ln>
-            <a:noFill/>
-          </a:ln>
-          <a:extLst>
-            <a:ext uri="{53640926-AAD7-44D8-BBD7-CCE9431645EC}">
-              <a14:shadowObscured xmlns:a14="http://schemas.microsoft.com/office/drawing/2010/main"/>
-            </a:ext>
-          </a:extLst>
-        </p:spPr>
-      </p:pic>
-      <p:pic>
-        <p:nvPicPr>
-          <p:cNvPr id="16" name="Рисунок 15">
-            <a:extLst>
-              <a:ext uri="{FF2B5EF4-FFF2-40B4-BE49-F238E27FC236}">
-                <a16:creationId xmlns:a16="http://schemas.microsoft.com/office/drawing/2014/main" id="{C4DF89DA-F2BE-4D71-96EC-77ECB594FF47}"/>
-              </a:ext>
-            </a:extLst>
-          </p:cNvPr>
-          <p:cNvPicPr/>
-          <p:nvPr/>
-        </p:nvPicPr>
-        <p:blipFill rotWithShape="1">
-          <a:blip r:embed="rId4"/>
-          <a:srcRect b="22470"/>
-          <a:stretch/>
-        </p:blipFill>
-        <p:spPr bwMode="auto">
-          <a:xfrm>
-            <a:off x="449740" y="2426167"/>
-            <a:ext cx="3511325" cy="1367307"/>
-          </a:xfrm>
-          <a:prstGeom prst="rect">
-            <a:avLst/>
-          </a:prstGeom>
-          <a:ln>
-            <a:noFill/>
-          </a:ln>
-          <a:extLst>
-            <a:ext uri="{53640926-AAD7-44D8-BBD7-CCE9431645EC}">
-              <a14:shadowObscured xmlns:a14="http://schemas.microsoft.com/office/drawing/2010/main"/>
-            </a:ext>
-          </a:extLst>
-        </p:spPr>
-      </p:pic>
-      <p:sp>
-        <p:nvSpPr>
-          <p:cNvPr id="18" name="TextBox 17">
-            <a:extLst>
-              <a:ext uri="{FF2B5EF4-FFF2-40B4-BE49-F238E27FC236}">
-                <a16:creationId xmlns:a16="http://schemas.microsoft.com/office/drawing/2014/main" id="{27FC8705-B01A-41C8-A99D-36393ACFF224}"/>
-              </a:ext>
-            </a:extLst>
-          </p:cNvPr>
-          <p:cNvSpPr txBox="1"/>
-          <p:nvPr/>
-        </p:nvSpPr>
-        <p:spPr>
-          <a:xfrm>
-            <a:off x="3681926" y="5774811"/>
-            <a:ext cx="4828147" cy="369332"/>
-          </a:xfrm>
-          <a:prstGeom prst="rect">
-            <a:avLst/>
-          </a:prstGeom>
-          <a:noFill/>
-        </p:spPr>
-        <p:txBody>
-          <a:bodyPr wrap="square" rtlCol="0">
-            <a:spAutoFit/>
-          </a:bodyPr>
-          <a:lstStyle/>
-          <a:p>
-            <a:pPr algn="ctr"/>
-            <a:r>
-              <a:rPr lang="ru-RU" dirty="0">
-                <a:latin typeface="Times New Roman" panose="02020603050405020304" pitchFamily="18" charset="0"/>
-                <a:cs typeface="Times New Roman" panose="02020603050405020304" pitchFamily="18" charset="0"/>
-              </a:rPr>
-              <a:t>Структура базы данных</a:t>
             </a:r>
           </a:p>
         </p:txBody>
@@ -8141,15 +7321,15 @@
           <p:nvPr/>
         </p:nvPicPr>
         <p:blipFill>
-          <a:blip r:embed="rId5"/>
+          <a:blip r:embed="rId2"/>
           <a:stretch>
             <a:fillRect/>
           </a:stretch>
         </p:blipFill>
         <p:spPr>
           <a:xfrm>
-            <a:off x="2799769" y="0"/>
-            <a:ext cx="6144085" cy="5776720"/>
+            <a:off x="2448936" y="0"/>
+            <a:ext cx="7294127" cy="6858000"/>
           </a:xfrm>
           <a:prstGeom prst="rect">
             <a:avLst/>
@@ -8187,7 +7367,7 @@
                             </p:stCondLst>
                             <p:childTnLst>
                               <p:par>
-                                <p:cTn id="5" presetID="10" presetClass="exit" presetSubtype="0" fill="hold" nodeType="clickEffect">
+                                <p:cTn id="5" presetID="10" presetClass="exit" presetSubtype="0" fill="hold" grpId="0" nodeType="clickEffect">
                                   <p:stCondLst>
                                     <p:cond delay="0"/>
                                   </p:stCondLst>
@@ -8196,48 +7376,13 @@
                                       <p:cBhvr>
                                         <p:cTn id="6" dur="500"/>
                                         <p:tgtEl>
-                                          <p:spTgt spid="12"/>
+                                          <p:spTgt spid="2"/>
                                         </p:tgtEl>
                                       </p:cBhvr>
                                     </p:animEffect>
                                     <p:set>
                                       <p:cBhvr>
                                         <p:cTn id="7" dur="1" fill="hold">
-                                          <p:stCondLst>
-                                            <p:cond delay="499"/>
-                                          </p:stCondLst>
-                                        </p:cTn>
-                                        <p:tgtEl>
-                                          <p:spTgt spid="12"/>
-                                        </p:tgtEl>
-                                        <p:attrNameLst>
-                                          <p:attrName>style.visibility</p:attrName>
-                                        </p:attrNameLst>
-                                      </p:cBhvr>
-                                      <p:to>
-                                        <p:strVal val="hidden"/>
-                                      </p:to>
-                                    </p:set>
-                                  </p:childTnLst>
-                                </p:cTn>
-                              </p:par>
-                              <p:par>
-                                <p:cTn id="8" presetID="10" presetClass="exit" presetSubtype="0" fill="hold" grpId="0" nodeType="withEffect">
-                                  <p:stCondLst>
-                                    <p:cond delay="0"/>
-                                  </p:stCondLst>
-                                  <p:childTnLst>
-                                    <p:animEffect transition="out" filter="fade">
-                                      <p:cBhvr>
-                                        <p:cTn id="9" dur="500"/>
-                                        <p:tgtEl>
-                                          <p:spTgt spid="2"/>
-                                        </p:tgtEl>
-                                      </p:cBhvr>
-                                    </p:animEffect>
-                                    <p:set>
-                                      <p:cBhvr>
-                                        <p:cTn id="10" dur="1" fill="hold">
                                           <p:stCondLst>
                                             <p:cond delay="499"/>
                                           </p:stCondLst>
@@ -8257,189 +7402,14 @@
                                 </p:cTn>
                               </p:par>
                               <p:par>
-                                <p:cTn id="11" presetID="10" presetClass="exit" presetSubtype="0" fill="hold" grpId="0" nodeType="withEffect">
-                                  <p:stCondLst>
-                                    <p:cond delay="0"/>
-                                  </p:stCondLst>
-                                  <p:childTnLst>
-                                    <p:animEffect transition="out" filter="fade">
-                                      <p:cBhvr>
-                                        <p:cTn id="12" dur="500"/>
-                                        <p:tgtEl>
-                                          <p:spTgt spid="9"/>
-                                        </p:tgtEl>
-                                      </p:cBhvr>
-                                    </p:animEffect>
-                                    <p:set>
-                                      <p:cBhvr>
-                                        <p:cTn id="13" dur="1" fill="hold">
-                                          <p:stCondLst>
-                                            <p:cond delay="499"/>
-                                          </p:stCondLst>
-                                        </p:cTn>
-                                        <p:tgtEl>
-                                          <p:spTgt spid="9"/>
-                                        </p:tgtEl>
-                                        <p:attrNameLst>
-                                          <p:attrName>style.visibility</p:attrName>
-                                        </p:attrNameLst>
-                                      </p:cBhvr>
-                                      <p:to>
-                                        <p:strVal val="hidden"/>
-                                      </p:to>
-                                    </p:set>
-                                  </p:childTnLst>
-                                </p:cTn>
-                              </p:par>
-                              <p:par>
-                                <p:cTn id="14" presetID="10" presetClass="exit" presetSubtype="0" fill="hold" nodeType="withEffect">
-                                  <p:stCondLst>
-                                    <p:cond delay="0"/>
-                                  </p:stCondLst>
-                                  <p:childTnLst>
-                                    <p:animEffect transition="out" filter="fade">
-                                      <p:cBhvr>
-                                        <p:cTn id="15" dur="500"/>
-                                        <p:tgtEl>
-                                          <p:spTgt spid="10"/>
-                                        </p:tgtEl>
-                                      </p:cBhvr>
-                                    </p:animEffect>
-                                    <p:set>
-                                      <p:cBhvr>
-                                        <p:cTn id="16" dur="1" fill="hold">
-                                          <p:stCondLst>
-                                            <p:cond delay="499"/>
-                                          </p:stCondLst>
-                                        </p:cTn>
-                                        <p:tgtEl>
-                                          <p:spTgt spid="10"/>
-                                        </p:tgtEl>
-                                        <p:attrNameLst>
-                                          <p:attrName>style.visibility</p:attrName>
-                                        </p:attrNameLst>
-                                      </p:cBhvr>
-                                      <p:to>
-                                        <p:strVal val="hidden"/>
-                                      </p:to>
-                                    </p:set>
-                                  </p:childTnLst>
-                                </p:cTn>
-                              </p:par>
-                              <p:par>
-                                <p:cTn id="17" presetID="10" presetClass="exit" presetSubtype="0" fill="hold" grpId="0" nodeType="withEffect">
-                                  <p:stCondLst>
-                                    <p:cond delay="0"/>
-                                  </p:stCondLst>
-                                  <p:childTnLst>
-                                    <p:animEffect transition="out" filter="fade">
-                                      <p:cBhvr>
-                                        <p:cTn id="18" dur="500"/>
-                                        <p:tgtEl>
-                                          <p:spTgt spid="15"/>
-                                        </p:tgtEl>
-                                      </p:cBhvr>
-                                    </p:animEffect>
-                                    <p:set>
-                                      <p:cBhvr>
-                                        <p:cTn id="19" dur="1" fill="hold">
-                                          <p:stCondLst>
-                                            <p:cond delay="499"/>
-                                          </p:stCondLst>
-                                        </p:cTn>
-                                        <p:tgtEl>
-                                          <p:spTgt spid="15"/>
-                                        </p:tgtEl>
-                                        <p:attrNameLst>
-                                          <p:attrName>style.visibility</p:attrName>
-                                        </p:attrNameLst>
-                                      </p:cBhvr>
-                                      <p:to>
-                                        <p:strVal val="hidden"/>
-                                      </p:to>
-                                    </p:set>
-                                  </p:childTnLst>
-                                </p:cTn>
-                              </p:par>
-                              <p:par>
-                                <p:cTn id="20" presetID="10" presetClass="exit" presetSubtype="0" fill="hold" nodeType="withEffect">
-                                  <p:stCondLst>
-                                    <p:cond delay="0"/>
-                                  </p:stCondLst>
-                                  <p:childTnLst>
-                                    <p:animEffect transition="out" filter="fade">
-                                      <p:cBhvr>
-                                        <p:cTn id="21" dur="500"/>
-                                        <p:tgtEl>
-                                          <p:spTgt spid="16"/>
-                                        </p:tgtEl>
-                                      </p:cBhvr>
-                                    </p:animEffect>
-                                    <p:set>
-                                      <p:cBhvr>
-                                        <p:cTn id="22" dur="1" fill="hold">
-                                          <p:stCondLst>
-                                            <p:cond delay="499"/>
-                                          </p:stCondLst>
-                                        </p:cTn>
-                                        <p:tgtEl>
-                                          <p:spTgt spid="16"/>
-                                        </p:tgtEl>
-                                        <p:attrNameLst>
-                                          <p:attrName>style.visibility</p:attrName>
-                                        </p:attrNameLst>
-                                      </p:cBhvr>
-                                      <p:to>
-                                        <p:strVal val="hidden"/>
-                                      </p:to>
-                                    </p:set>
-                                  </p:childTnLst>
-                                </p:cTn>
-                              </p:par>
-                              <p:par>
-                                <p:cTn id="23" presetID="10" presetClass="exit" presetSubtype="0" fill="hold" grpId="0" nodeType="withEffect">
-                                  <p:stCondLst>
-                                    <p:cond delay="0"/>
-                                  </p:stCondLst>
-                                  <p:childTnLst>
-                                    <p:animEffect transition="out" filter="fade">
-                                      <p:cBhvr>
-                                        <p:cTn id="24" dur="500"/>
-                                        <p:tgtEl>
-                                          <p:spTgt spid="8"/>
-                                        </p:tgtEl>
-                                      </p:cBhvr>
-                                    </p:animEffect>
-                                    <p:set>
-                                      <p:cBhvr>
-                                        <p:cTn id="25" dur="1" fill="hold">
-                                          <p:stCondLst>
-                                            <p:cond delay="499"/>
-                                          </p:stCondLst>
-                                        </p:cTn>
-                                        <p:tgtEl>
-                                          <p:spTgt spid="8"/>
-                                        </p:tgtEl>
-                                        <p:attrNameLst>
-                                          <p:attrName>style.visibility</p:attrName>
-                                        </p:attrNameLst>
-                                      </p:cBhvr>
-                                      <p:to>
-                                        <p:strVal val="hidden"/>
-                                      </p:to>
-                                    </p:set>
-                                  </p:childTnLst>
-                                </p:cTn>
-                              </p:par>
-                              <p:par>
-                                <p:cTn id="26" presetID="10" presetClass="entr" presetSubtype="0" fill="hold" nodeType="withEffect">
+                                <p:cTn id="8" presetID="10" presetClass="entr" presetSubtype="0" fill="hold" nodeType="withEffect">
                                   <p:stCondLst>
                                     <p:cond delay="200"/>
                                   </p:stCondLst>
                                   <p:childTnLst>
                                     <p:set>
                                       <p:cBhvr>
-                                        <p:cTn id="27" dur="1" fill="hold">
+                                        <p:cTn id="9" dur="1" fill="hold">
                                           <p:stCondLst>
                                             <p:cond delay="0"/>
                                           </p:stCondLst>
@@ -8457,44 +7427,9 @@
                                     </p:set>
                                     <p:animEffect transition="in" filter="fade">
                                       <p:cBhvr>
-                                        <p:cTn id="28" dur="500"/>
+                                        <p:cTn id="10" dur="500"/>
                                         <p:tgtEl>
                                           <p:spTgt spid="17"/>
-                                        </p:tgtEl>
-                                      </p:cBhvr>
-                                    </p:animEffect>
-                                  </p:childTnLst>
-                                </p:cTn>
-                              </p:par>
-                              <p:par>
-                                <p:cTn id="29" presetID="10" presetClass="entr" presetSubtype="0" fill="hold" grpId="0" nodeType="withEffect">
-                                  <p:stCondLst>
-                                    <p:cond delay="200"/>
-                                  </p:stCondLst>
-                                  <p:childTnLst>
-                                    <p:set>
-                                      <p:cBhvr>
-                                        <p:cTn id="30" dur="1" fill="hold">
-                                          <p:stCondLst>
-                                            <p:cond delay="0"/>
-                                          </p:stCondLst>
-                                        </p:cTn>
-                                        <p:tgtEl>
-                                          <p:spTgt spid="18"/>
-                                        </p:tgtEl>
-                                        <p:attrNameLst>
-                                          <p:attrName>style.visibility</p:attrName>
-                                        </p:attrNameLst>
-                                      </p:cBhvr>
-                                      <p:to>
-                                        <p:strVal val="visible"/>
-                                      </p:to>
-                                    </p:set>
-                                    <p:animEffect transition="in" filter="fade">
-                                      <p:cBhvr>
-                                        <p:cTn id="31" dur="500"/>
-                                        <p:tgtEl>
-                                          <p:spTgt spid="18"/>
                                         </p:tgtEl>
                                       </p:cBhvr>
                                     </p:animEffect>
@@ -8530,12 +7465,938 @@
     </p:tnLst>
     <p:bldLst>
       <p:bldP spid="2" grpId="0"/>
-      <p:bldP spid="8" grpId="0"/>
-      <p:bldP spid="9" grpId="0"/>
-      <p:bldP spid="15" grpId="0"/>
-      <p:bldP spid="18" grpId="0"/>
     </p:bldLst>
   </p:timing>
+</p:sld>
+</file>
+
+<file path=ppt/slides/slide6.xml><?xml version="1.0" encoding="utf-8"?>
+<p:sld xmlns:a="http://schemas.openxmlformats.org/drawingml/2006/main" xmlns:r="http://schemas.openxmlformats.org/officeDocument/2006/relationships" xmlns:p="http://schemas.openxmlformats.org/presentationml/2006/main">
+  <p:cSld>
+    <p:spTree>
+      <p:nvGrpSpPr>
+        <p:cNvPr id="1" name=""/>
+        <p:cNvGrpSpPr/>
+        <p:nvPr/>
+      </p:nvGrpSpPr>
+      <p:grpSpPr>
+        <a:xfrm>
+          <a:off x="0" y="0"/>
+          <a:ext cx="0" cy="0"/>
+          <a:chOff x="0" y="0"/>
+          <a:chExt cx="0" cy="0"/>
+        </a:xfrm>
+      </p:grpSpPr>
+      <p:sp>
+        <p:nvSpPr>
+          <p:cNvPr id="2" name="Заголовок 1">
+            <a:extLst>
+              <a:ext uri="{FF2B5EF4-FFF2-40B4-BE49-F238E27FC236}">
+                <a16:creationId xmlns:a16="http://schemas.microsoft.com/office/drawing/2014/main" id="{7CDDC7AA-B0BF-41BD-88F3-CAE0DEF47F7C}"/>
+              </a:ext>
+            </a:extLst>
+          </p:cNvPr>
+          <p:cNvSpPr>
+            <a:spLocks noGrp="1"/>
+          </p:cNvSpPr>
+          <p:nvPr>
+            <p:ph type="title"/>
+          </p:nvPr>
+        </p:nvSpPr>
+        <p:spPr/>
+        <p:txBody>
+          <a:bodyPr/>
+          <a:lstStyle/>
+          <a:p>
+            <a:r>
+              <a:rPr lang="ru-RU" dirty="0">
+                <a:latin typeface="Times New Roman" panose="02020603050405020304" pitchFamily="18" charset="0"/>
+                <a:cs typeface="Times New Roman" panose="02020603050405020304" pitchFamily="18" charset="0"/>
+              </a:rPr>
+              <a:t>Руководство программиста</a:t>
+            </a:r>
+          </a:p>
+        </p:txBody>
+      </p:sp>
+      <p:sp>
+        <p:nvSpPr>
+          <p:cNvPr id="12" name="TextBox 11">
+            <a:extLst>
+              <a:ext uri="{FF2B5EF4-FFF2-40B4-BE49-F238E27FC236}">
+                <a16:creationId xmlns:a16="http://schemas.microsoft.com/office/drawing/2014/main" id="{87A12D1A-7070-4D47-A28D-E7F1BD214299}"/>
+              </a:ext>
+            </a:extLst>
+          </p:cNvPr>
+          <p:cNvSpPr txBox="1"/>
+          <p:nvPr/>
+        </p:nvSpPr>
+        <p:spPr>
+          <a:xfrm>
+            <a:off x="7642913" y="1787982"/>
+            <a:ext cx="4337422" cy="3216265"/>
+          </a:xfrm>
+          <a:prstGeom prst="rect">
+            <a:avLst/>
+          </a:prstGeom>
+          <a:noFill/>
+        </p:spPr>
+        <p:txBody>
+          <a:bodyPr wrap="square">
+            <a:spAutoFit/>
+          </a:bodyPr>
+          <a:lstStyle/>
+          <a:p>
+            <a:pPr algn="l">
+              <a:lnSpc>
+                <a:spcPct val="150000"/>
+              </a:lnSpc>
+            </a:pPr>
+            <a:r>
+              <a:rPr lang="ru-RU" sz="1600" dirty="0">
+                <a:latin typeface="Times New Roman" panose="02020603050405020304" pitchFamily="18" charset="0"/>
+                <a:ea typeface="Calibri" panose="020F0502020204030204" pitchFamily="34" charset="0"/>
+                <a:cs typeface="Times New Roman" panose="02020603050405020304" pitchFamily="18" charset="0"/>
+              </a:rPr>
+              <a:t>Метод проверки возможности сохранения:</a:t>
+            </a:r>
+            <a:endParaRPr lang="ru-RU" sz="1600" dirty="0">
+              <a:effectLst/>
+              <a:latin typeface="Times New Roman" panose="02020603050405020304" pitchFamily="18" charset="0"/>
+              <a:ea typeface="Calibri" panose="020F0502020204030204" pitchFamily="34" charset="0"/>
+              <a:cs typeface="Times New Roman" panose="02020603050405020304" pitchFamily="18" charset="0"/>
+            </a:endParaRPr>
+          </a:p>
+          <a:p>
+            <a:pPr algn="l"/>
+            <a:r>
+              <a:rPr lang="en-US" sz="1600" dirty="0">
+                <a:effectLst/>
+                <a:latin typeface="Consolas" panose="020B0609020204030204" pitchFamily="49" charset="0"/>
+                <a:ea typeface="Calibri" panose="020F0502020204030204" pitchFamily="34" charset="0"/>
+                <a:cs typeface="Consolas" panose="020B0609020204030204" pitchFamily="49" charset="0"/>
+              </a:rPr>
+              <a:t>public bool </a:t>
+            </a:r>
+            <a:r>
+              <a:rPr lang="en-US" sz="1600" dirty="0" err="1">
+                <a:effectLst/>
+                <a:latin typeface="Consolas" panose="020B0609020204030204" pitchFamily="49" charset="0"/>
+                <a:ea typeface="Calibri" panose="020F0502020204030204" pitchFamily="34" charset="0"/>
+                <a:cs typeface="Consolas" panose="020B0609020204030204" pitchFamily="49" charset="0"/>
+              </a:rPr>
+              <a:t>CanSave</a:t>
+            </a:r>
+            <a:r>
+              <a:rPr lang="en-US" sz="1600" dirty="0">
+                <a:effectLst/>
+                <a:latin typeface="Consolas" panose="020B0609020204030204" pitchFamily="49" charset="0"/>
+                <a:ea typeface="Calibri" panose="020F0502020204030204" pitchFamily="34" charset="0"/>
+                <a:cs typeface="Consolas" panose="020B0609020204030204" pitchFamily="49" charset="0"/>
+              </a:rPr>
+              <a:t>()</a:t>
+            </a:r>
+            <a:endParaRPr lang="ru-RU" sz="1600" dirty="0">
+              <a:effectLst/>
+              <a:latin typeface="Consolas" panose="020B0609020204030204" pitchFamily="49" charset="0"/>
+              <a:ea typeface="Times New Roman" panose="02020603050405020304" pitchFamily="18" charset="0"/>
+            </a:endParaRPr>
+          </a:p>
+          <a:p>
+            <a:pPr algn="l"/>
+            <a:r>
+              <a:rPr lang="en-US" sz="1600" dirty="0">
+                <a:effectLst/>
+                <a:latin typeface="Consolas" panose="020B0609020204030204" pitchFamily="49" charset="0"/>
+                <a:ea typeface="Calibri" panose="020F0502020204030204" pitchFamily="34" charset="0"/>
+                <a:cs typeface="Consolas" panose="020B0609020204030204" pitchFamily="49" charset="0"/>
+              </a:rPr>
+              <a:t>{</a:t>
+            </a:r>
+            <a:endParaRPr lang="ru-RU" sz="1600" dirty="0">
+              <a:latin typeface="Consolas" panose="020B0609020204030204" pitchFamily="49" charset="0"/>
+              <a:ea typeface="Calibri" panose="020F0502020204030204" pitchFamily="34" charset="0"/>
+            </a:endParaRPr>
+          </a:p>
+          <a:p>
+            <a:pPr algn="l"/>
+            <a:r>
+              <a:rPr lang="ru-RU" sz="1600" dirty="0">
+                <a:effectLst/>
+                <a:latin typeface="Consolas" panose="020B0609020204030204" pitchFamily="49" charset="0"/>
+                <a:ea typeface="Calibri" panose="020F0502020204030204" pitchFamily="34" charset="0"/>
+                <a:cs typeface="Consolas" panose="020B0609020204030204" pitchFamily="49" charset="0"/>
+              </a:rPr>
+              <a:t> </a:t>
+            </a:r>
+            <a:r>
+              <a:rPr lang="en-US" sz="1600" dirty="0">
+                <a:effectLst/>
+                <a:latin typeface="Consolas" panose="020B0609020204030204" pitchFamily="49" charset="0"/>
+                <a:ea typeface="Calibri" panose="020F0502020204030204" pitchFamily="34" charset="0"/>
+                <a:cs typeface="Consolas" panose="020B0609020204030204" pitchFamily="49" charset="0"/>
+              </a:rPr>
+              <a:t>bool t = false;</a:t>
+            </a:r>
+            <a:endParaRPr lang="ru-RU" sz="1600" dirty="0">
+              <a:effectLst/>
+              <a:latin typeface="Consolas" panose="020B0609020204030204" pitchFamily="49" charset="0"/>
+              <a:ea typeface="Times New Roman" panose="02020603050405020304" pitchFamily="18" charset="0"/>
+            </a:endParaRPr>
+          </a:p>
+          <a:p>
+            <a:pPr algn="l"/>
+            <a:r>
+              <a:rPr lang="ru-RU" sz="1600" dirty="0">
+                <a:effectLst/>
+                <a:latin typeface="Consolas" panose="020B0609020204030204" pitchFamily="49" charset="0"/>
+                <a:ea typeface="Calibri" panose="020F0502020204030204" pitchFamily="34" charset="0"/>
+                <a:cs typeface="Consolas" panose="020B0609020204030204" pitchFamily="49" charset="0"/>
+              </a:rPr>
+              <a:t> </a:t>
+            </a:r>
+            <a:r>
+              <a:rPr lang="en-US" sz="1600" dirty="0">
+                <a:effectLst/>
+                <a:latin typeface="Consolas" panose="020B0609020204030204" pitchFamily="49" charset="0"/>
+                <a:ea typeface="Calibri" panose="020F0502020204030204" pitchFamily="34" charset="0"/>
+                <a:cs typeface="Consolas" panose="020B0609020204030204" pitchFamily="49" charset="0"/>
+              </a:rPr>
+              <a:t>if (</a:t>
+            </a:r>
+            <a:r>
+              <a:rPr lang="en-US" sz="1600" dirty="0" err="1">
+                <a:effectLst/>
+                <a:latin typeface="Consolas" panose="020B0609020204030204" pitchFamily="49" charset="0"/>
+                <a:ea typeface="Calibri" panose="020F0502020204030204" pitchFamily="34" charset="0"/>
+                <a:cs typeface="Consolas" panose="020B0609020204030204" pitchFamily="49" charset="0"/>
+              </a:rPr>
+              <a:t>tbNote.Text</a:t>
+            </a:r>
+            <a:r>
+              <a:rPr lang="en-US" sz="1600" dirty="0">
+                <a:effectLst/>
+                <a:latin typeface="Consolas" panose="020B0609020204030204" pitchFamily="49" charset="0"/>
+                <a:ea typeface="Calibri" panose="020F0502020204030204" pitchFamily="34" charset="0"/>
+                <a:cs typeface="Consolas" panose="020B0609020204030204" pitchFamily="49" charset="0"/>
+              </a:rPr>
+              <a:t> != </a:t>
+            </a:r>
+            <a:r>
+              <a:rPr lang="en-US" sz="1600" dirty="0" err="1">
+                <a:effectLst/>
+                <a:latin typeface="Consolas" panose="020B0609020204030204" pitchFamily="49" charset="0"/>
+                <a:ea typeface="Calibri" panose="020F0502020204030204" pitchFamily="34" charset="0"/>
+                <a:cs typeface="Consolas" panose="020B0609020204030204" pitchFamily="49" charset="0"/>
+              </a:rPr>
+              <a:t>comp.note</a:t>
+            </a:r>
+            <a:r>
+              <a:rPr lang="en-US" sz="1600" dirty="0">
+                <a:effectLst/>
+                <a:latin typeface="Consolas" panose="020B0609020204030204" pitchFamily="49" charset="0"/>
+                <a:ea typeface="Calibri" panose="020F0502020204030204" pitchFamily="34" charset="0"/>
+                <a:cs typeface="Consolas" panose="020B0609020204030204" pitchFamily="49" charset="0"/>
+              </a:rPr>
+              <a:t>)</a:t>
+            </a:r>
+            <a:endParaRPr lang="ru-RU" sz="1600" dirty="0">
+              <a:effectLst/>
+              <a:latin typeface="Consolas" panose="020B0609020204030204" pitchFamily="49" charset="0"/>
+              <a:ea typeface="Times New Roman" panose="02020603050405020304" pitchFamily="18" charset="0"/>
+            </a:endParaRPr>
+          </a:p>
+          <a:p>
+            <a:pPr algn="l"/>
+            <a:r>
+              <a:rPr lang="ru-RU" sz="1600" dirty="0">
+                <a:effectLst/>
+                <a:latin typeface="Consolas" panose="020B0609020204030204" pitchFamily="49" charset="0"/>
+                <a:ea typeface="Calibri" panose="020F0502020204030204" pitchFamily="34" charset="0"/>
+                <a:cs typeface="Consolas" panose="020B0609020204030204" pitchFamily="49" charset="0"/>
+              </a:rPr>
+              <a:t>   </a:t>
+            </a:r>
+            <a:r>
+              <a:rPr lang="en-US" sz="1600" dirty="0">
+                <a:effectLst/>
+                <a:latin typeface="Consolas" panose="020B0609020204030204" pitchFamily="49" charset="0"/>
+                <a:ea typeface="Calibri" panose="020F0502020204030204" pitchFamily="34" charset="0"/>
+                <a:cs typeface="Consolas" panose="020B0609020204030204" pitchFamily="49" charset="0"/>
+              </a:rPr>
+              <a:t>t = t || true;</a:t>
+            </a:r>
+            <a:endParaRPr lang="ru-RU" sz="1600" dirty="0">
+              <a:effectLst/>
+              <a:latin typeface="Consolas" panose="020B0609020204030204" pitchFamily="49" charset="0"/>
+              <a:ea typeface="Times New Roman" panose="02020603050405020304" pitchFamily="18" charset="0"/>
+            </a:endParaRPr>
+          </a:p>
+          <a:p>
+            <a:pPr algn="l"/>
+            <a:r>
+              <a:rPr lang="ru-RU" sz="1600" dirty="0">
+                <a:effectLst/>
+                <a:latin typeface="Consolas" panose="020B0609020204030204" pitchFamily="49" charset="0"/>
+                <a:ea typeface="Calibri" panose="020F0502020204030204" pitchFamily="34" charset="0"/>
+                <a:cs typeface="Consolas" panose="020B0609020204030204" pitchFamily="49" charset="0"/>
+              </a:rPr>
+              <a:t> </a:t>
+            </a:r>
+            <a:r>
+              <a:rPr lang="en-US" sz="1600" dirty="0">
+                <a:effectLst/>
+                <a:latin typeface="Consolas" panose="020B0609020204030204" pitchFamily="49" charset="0"/>
+                <a:ea typeface="Calibri" panose="020F0502020204030204" pitchFamily="34" charset="0"/>
+                <a:cs typeface="Consolas" panose="020B0609020204030204" pitchFamily="49" charset="0"/>
+              </a:rPr>
+              <a:t>if (</a:t>
+            </a:r>
+            <a:r>
+              <a:rPr lang="en-US" sz="1600" dirty="0" err="1">
+                <a:effectLst/>
+                <a:latin typeface="Consolas" panose="020B0609020204030204" pitchFamily="49" charset="0"/>
+                <a:ea typeface="Calibri" panose="020F0502020204030204" pitchFamily="34" charset="0"/>
+                <a:cs typeface="Consolas" panose="020B0609020204030204" pitchFamily="49" charset="0"/>
+              </a:rPr>
+              <a:t>cbImport.SelectedItem</a:t>
+            </a:r>
+            <a:r>
+              <a:rPr lang="en-US" sz="1600" dirty="0">
+                <a:effectLst/>
+                <a:latin typeface="Consolas" panose="020B0609020204030204" pitchFamily="49" charset="0"/>
+                <a:ea typeface="Calibri" panose="020F0502020204030204" pitchFamily="34" charset="0"/>
+                <a:cs typeface="Consolas" panose="020B0609020204030204" pitchFamily="49" charset="0"/>
+              </a:rPr>
+              <a:t> != null)</a:t>
+            </a:r>
+            <a:endParaRPr lang="ru-RU" sz="1600" dirty="0">
+              <a:effectLst/>
+              <a:latin typeface="Consolas" panose="020B0609020204030204" pitchFamily="49" charset="0"/>
+              <a:ea typeface="Times New Roman" panose="02020603050405020304" pitchFamily="18" charset="0"/>
+            </a:endParaRPr>
+          </a:p>
+          <a:p>
+            <a:pPr algn="l"/>
+            <a:r>
+              <a:rPr lang="ru-RU" sz="1600" dirty="0">
+                <a:effectLst/>
+                <a:latin typeface="Consolas" panose="020B0609020204030204" pitchFamily="49" charset="0"/>
+                <a:ea typeface="Calibri" panose="020F0502020204030204" pitchFamily="34" charset="0"/>
+                <a:cs typeface="Consolas" panose="020B0609020204030204" pitchFamily="49" charset="0"/>
+              </a:rPr>
+              <a:t>   </a:t>
+            </a:r>
+            <a:r>
+              <a:rPr lang="en-US" sz="1600" dirty="0">
+                <a:effectLst/>
+                <a:latin typeface="Consolas" panose="020B0609020204030204" pitchFamily="49" charset="0"/>
+                <a:ea typeface="Calibri" panose="020F0502020204030204" pitchFamily="34" charset="0"/>
+                <a:cs typeface="Consolas" panose="020B0609020204030204" pitchFamily="49" charset="0"/>
+              </a:rPr>
+              <a:t>if (</a:t>
+            </a:r>
+            <a:r>
+              <a:rPr lang="en-US" sz="1600" dirty="0" err="1">
+                <a:effectLst/>
+                <a:latin typeface="Consolas" panose="020B0609020204030204" pitchFamily="49" charset="0"/>
+                <a:ea typeface="Calibri" panose="020F0502020204030204" pitchFamily="34" charset="0"/>
+                <a:cs typeface="Consolas" panose="020B0609020204030204" pitchFamily="49" charset="0"/>
+              </a:rPr>
+              <a:t>cbImport.SelectedIndex</a:t>
+            </a:r>
+            <a:r>
+              <a:rPr lang="en-US" sz="1600" dirty="0">
+                <a:effectLst/>
+                <a:latin typeface="Consolas" panose="020B0609020204030204" pitchFamily="49" charset="0"/>
+                <a:ea typeface="Calibri" panose="020F0502020204030204" pitchFamily="34" charset="0"/>
+                <a:cs typeface="Consolas" panose="020B0609020204030204" pitchFamily="49" charset="0"/>
+              </a:rPr>
+              <a:t> + 1 != </a:t>
+            </a:r>
+            <a:r>
+              <a:rPr lang="en-US" sz="1600" dirty="0" err="1">
+                <a:effectLst/>
+                <a:latin typeface="Consolas" panose="020B0609020204030204" pitchFamily="49" charset="0"/>
+                <a:ea typeface="Calibri" panose="020F0502020204030204" pitchFamily="34" charset="0"/>
+                <a:cs typeface="Consolas" panose="020B0609020204030204" pitchFamily="49" charset="0"/>
+              </a:rPr>
+              <a:t>comp.ImportanceId</a:t>
+            </a:r>
+            <a:r>
+              <a:rPr lang="en-US" sz="1600" dirty="0">
+                <a:effectLst/>
+                <a:latin typeface="Consolas" panose="020B0609020204030204" pitchFamily="49" charset="0"/>
+                <a:ea typeface="Calibri" panose="020F0502020204030204" pitchFamily="34" charset="0"/>
+                <a:cs typeface="Consolas" panose="020B0609020204030204" pitchFamily="49" charset="0"/>
+              </a:rPr>
+              <a:t>)</a:t>
+            </a:r>
+            <a:endParaRPr lang="ru-RU" sz="1600" dirty="0">
+              <a:effectLst/>
+              <a:latin typeface="Consolas" panose="020B0609020204030204" pitchFamily="49" charset="0"/>
+              <a:ea typeface="Times New Roman" panose="02020603050405020304" pitchFamily="18" charset="0"/>
+            </a:endParaRPr>
+          </a:p>
+          <a:p>
+            <a:pPr algn="l"/>
+            <a:r>
+              <a:rPr lang="ru-RU" sz="1600" dirty="0">
+                <a:effectLst/>
+                <a:latin typeface="Consolas" panose="020B0609020204030204" pitchFamily="49" charset="0"/>
+                <a:ea typeface="Calibri" panose="020F0502020204030204" pitchFamily="34" charset="0"/>
+                <a:cs typeface="Consolas" panose="020B0609020204030204" pitchFamily="49" charset="0"/>
+              </a:rPr>
+              <a:t>      </a:t>
+            </a:r>
+            <a:r>
+              <a:rPr lang="en-US" sz="1600" dirty="0">
+                <a:effectLst/>
+                <a:latin typeface="Consolas" panose="020B0609020204030204" pitchFamily="49" charset="0"/>
+                <a:ea typeface="Calibri" panose="020F0502020204030204" pitchFamily="34" charset="0"/>
+                <a:cs typeface="Consolas" panose="020B0609020204030204" pitchFamily="49" charset="0"/>
+              </a:rPr>
+              <a:t>t = t || true;</a:t>
+            </a:r>
+            <a:endParaRPr lang="ru-RU" sz="1600" dirty="0">
+              <a:effectLst/>
+              <a:latin typeface="Consolas" panose="020B0609020204030204" pitchFamily="49" charset="0"/>
+              <a:ea typeface="Times New Roman" panose="02020603050405020304" pitchFamily="18" charset="0"/>
+            </a:endParaRPr>
+          </a:p>
+          <a:p>
+            <a:pPr algn="l"/>
+            <a:r>
+              <a:rPr lang="ru-RU" sz="1600" dirty="0">
+                <a:effectLst/>
+                <a:latin typeface="Consolas" panose="020B0609020204030204" pitchFamily="49" charset="0"/>
+                <a:ea typeface="Calibri" panose="020F0502020204030204" pitchFamily="34" charset="0"/>
+                <a:cs typeface="Consolas" panose="020B0609020204030204" pitchFamily="49" charset="0"/>
+              </a:rPr>
+              <a:t> </a:t>
+            </a:r>
+            <a:r>
+              <a:rPr lang="en-US" sz="1600" dirty="0">
+                <a:effectLst/>
+                <a:latin typeface="Consolas" panose="020B0609020204030204" pitchFamily="49" charset="0"/>
+                <a:ea typeface="Calibri" panose="020F0502020204030204" pitchFamily="34" charset="0"/>
+                <a:cs typeface="Consolas" panose="020B0609020204030204" pitchFamily="49" charset="0"/>
+              </a:rPr>
+              <a:t>return t;</a:t>
+            </a:r>
+            <a:endParaRPr lang="ru-RU" sz="1600" dirty="0">
+              <a:effectLst/>
+              <a:latin typeface="Consolas" panose="020B0609020204030204" pitchFamily="49" charset="0"/>
+              <a:ea typeface="Times New Roman" panose="02020603050405020304" pitchFamily="18" charset="0"/>
+            </a:endParaRPr>
+          </a:p>
+          <a:p>
+            <a:pPr algn="l"/>
+            <a:r>
+              <a:rPr lang="ru-RU" sz="1600" dirty="0">
+                <a:effectLst/>
+                <a:latin typeface="Consolas" panose="020B0609020204030204" pitchFamily="49" charset="0"/>
+                <a:ea typeface="Calibri" panose="020F0502020204030204" pitchFamily="34" charset="0"/>
+                <a:cs typeface="Consolas" panose="020B0609020204030204" pitchFamily="49" charset="0"/>
+              </a:rPr>
+              <a:t>}</a:t>
+            </a:r>
+            <a:endParaRPr lang="ru-RU" sz="1600" dirty="0">
+              <a:latin typeface="Consolas" panose="020B0609020204030204" pitchFamily="49" charset="0"/>
+            </a:endParaRPr>
+          </a:p>
+        </p:txBody>
+      </p:sp>
+      <p:pic>
+        <p:nvPicPr>
+          <p:cNvPr id="17" name="Рисунок 16">
+            <a:extLst>
+              <a:ext uri="{FF2B5EF4-FFF2-40B4-BE49-F238E27FC236}">
+                <a16:creationId xmlns:a16="http://schemas.microsoft.com/office/drawing/2014/main" id="{BCE2AD43-2E2C-4299-A04F-A083FD38F410}"/>
+              </a:ext>
+            </a:extLst>
+          </p:cNvPr>
+          <p:cNvPicPr/>
+          <p:nvPr/>
+        </p:nvPicPr>
+        <p:blipFill>
+          <a:blip r:embed="rId2"/>
+          <a:stretch>
+            <a:fillRect/>
+          </a:stretch>
+        </p:blipFill>
+        <p:spPr>
+          <a:xfrm>
+            <a:off x="213411" y="2006601"/>
+            <a:ext cx="2263936" cy="3504892"/>
+          </a:xfrm>
+          <a:prstGeom prst="rect">
+            <a:avLst/>
+          </a:prstGeom>
+        </p:spPr>
+      </p:pic>
+      <p:sp>
+        <p:nvSpPr>
+          <p:cNvPr id="18" name="TextBox 17">
+            <a:extLst>
+              <a:ext uri="{FF2B5EF4-FFF2-40B4-BE49-F238E27FC236}">
+                <a16:creationId xmlns:a16="http://schemas.microsoft.com/office/drawing/2014/main" id="{11792C5F-7F99-4E6A-9070-CDAB9FED2561}"/>
+              </a:ext>
+            </a:extLst>
+          </p:cNvPr>
+          <p:cNvSpPr txBox="1"/>
+          <p:nvPr/>
+        </p:nvSpPr>
+        <p:spPr>
+          <a:xfrm>
+            <a:off x="-703004" y="5454010"/>
+            <a:ext cx="4828147" cy="369332"/>
+          </a:xfrm>
+          <a:prstGeom prst="rect">
+            <a:avLst/>
+          </a:prstGeom>
+          <a:noFill/>
+        </p:spPr>
+        <p:txBody>
+          <a:bodyPr wrap="square" rtlCol="0">
+            <a:spAutoFit/>
+          </a:bodyPr>
+          <a:lstStyle/>
+          <a:p>
+            <a:pPr algn="ctr"/>
+            <a:r>
+              <a:rPr lang="ru-RU" dirty="0">
+                <a:latin typeface="Times New Roman" panose="02020603050405020304" pitchFamily="18" charset="0"/>
+                <a:cs typeface="Times New Roman" panose="02020603050405020304" pitchFamily="18" charset="0"/>
+              </a:rPr>
+              <a:t>Модель данных в приложении</a:t>
+            </a:r>
+          </a:p>
+        </p:txBody>
+      </p:sp>
+      <p:sp>
+        <p:nvSpPr>
+          <p:cNvPr id="19" name="TextBox 18">
+            <a:extLst>
+              <a:ext uri="{FF2B5EF4-FFF2-40B4-BE49-F238E27FC236}">
+                <a16:creationId xmlns:a16="http://schemas.microsoft.com/office/drawing/2014/main" id="{BE20A783-7127-4955-BE29-5BB68C22AA21}"/>
+              </a:ext>
+            </a:extLst>
+          </p:cNvPr>
+          <p:cNvSpPr txBox="1"/>
+          <p:nvPr/>
+        </p:nvSpPr>
+        <p:spPr>
+          <a:xfrm>
+            <a:off x="2586600" y="1897068"/>
+            <a:ext cx="4643935" cy="2800767"/>
+          </a:xfrm>
+          <a:prstGeom prst="rect">
+            <a:avLst/>
+          </a:prstGeom>
+          <a:noFill/>
+        </p:spPr>
+        <p:txBody>
+          <a:bodyPr wrap="square">
+            <a:spAutoFit/>
+          </a:bodyPr>
+          <a:lstStyle/>
+          <a:p>
+            <a:r>
+              <a:rPr lang="ru-RU" sz="1600" dirty="0">
+                <a:latin typeface="Times New Roman" panose="02020603050405020304" pitchFamily="18" charset="0"/>
+                <a:ea typeface="Calibri" panose="020F0502020204030204" pitchFamily="34" charset="0"/>
+                <a:cs typeface="Times New Roman" panose="02020603050405020304" pitchFamily="18" charset="0"/>
+              </a:rPr>
+              <a:t>Триггер для смены цвета ячейки статуса в таблице:</a:t>
+            </a:r>
+            <a:endParaRPr lang="ru-RU" sz="1600" dirty="0">
+              <a:effectLst/>
+              <a:latin typeface="Consolas" panose="020B0609020204030204" pitchFamily="49" charset="0"/>
+              <a:ea typeface="Calibri" panose="020F0502020204030204" pitchFamily="34" charset="0"/>
+              <a:cs typeface="Cascadia Mono" panose="020B0609020000020004" pitchFamily="49" charset="0"/>
+            </a:endParaRPr>
+          </a:p>
+          <a:p>
+            <a:pPr algn="l"/>
+            <a:r>
+              <a:rPr lang="en-US" sz="1600" dirty="0">
+                <a:effectLst/>
+                <a:latin typeface="Consolas" panose="020B0609020204030204" pitchFamily="49" charset="0"/>
+                <a:ea typeface="Calibri" panose="020F0502020204030204" pitchFamily="34" charset="0"/>
+                <a:cs typeface="Cascadia Mono" panose="020B0609020000020004" pitchFamily="49" charset="0"/>
+              </a:rPr>
+              <a:t>&lt;</a:t>
+            </a:r>
+            <a:r>
+              <a:rPr lang="en-US" sz="1600" dirty="0" err="1">
+                <a:effectLst/>
+                <a:latin typeface="Consolas" panose="020B0609020204030204" pitchFamily="49" charset="0"/>
+                <a:ea typeface="Calibri" panose="020F0502020204030204" pitchFamily="34" charset="0"/>
+                <a:cs typeface="Cascadia Mono" panose="020B0609020000020004" pitchFamily="49" charset="0"/>
+              </a:rPr>
+              <a:t>DataTrigger</a:t>
+            </a:r>
+            <a:r>
+              <a:rPr lang="en-US" sz="1600" dirty="0">
+                <a:effectLst/>
+                <a:latin typeface="Consolas" panose="020B0609020204030204" pitchFamily="49" charset="0"/>
+                <a:ea typeface="Calibri" panose="020F0502020204030204" pitchFamily="34" charset="0"/>
+                <a:cs typeface="Cascadia Mono" panose="020B0609020000020004" pitchFamily="49" charset="0"/>
+              </a:rPr>
+              <a:t> </a:t>
+            </a:r>
+            <a:endParaRPr lang="ru-RU" sz="1600" dirty="0">
+              <a:effectLst/>
+              <a:latin typeface="Consolas" panose="020B0609020204030204" pitchFamily="49" charset="0"/>
+              <a:ea typeface="Calibri" panose="020F0502020204030204" pitchFamily="34" charset="0"/>
+              <a:cs typeface="Cascadia Mono" panose="020B0609020000020004" pitchFamily="49" charset="0"/>
+            </a:endParaRPr>
+          </a:p>
+          <a:p>
+            <a:pPr algn="l"/>
+            <a:r>
+              <a:rPr lang="en-US" sz="1600" dirty="0">
+                <a:effectLst/>
+                <a:latin typeface="Consolas" panose="020B0609020204030204" pitchFamily="49" charset="0"/>
+                <a:ea typeface="Calibri" panose="020F0502020204030204" pitchFamily="34" charset="0"/>
+                <a:cs typeface="Cascadia Mono" panose="020B0609020000020004" pitchFamily="49" charset="0"/>
+              </a:rPr>
+              <a:t>Binding="{Binding </a:t>
+            </a:r>
+            <a:r>
+              <a:rPr lang="en-US" sz="1600" dirty="0" err="1">
+                <a:effectLst/>
+                <a:latin typeface="Consolas" panose="020B0609020204030204" pitchFamily="49" charset="0"/>
+                <a:ea typeface="Calibri" panose="020F0502020204030204" pitchFamily="34" charset="0"/>
+                <a:cs typeface="Cascadia Mono" panose="020B0609020000020004" pitchFamily="49" charset="0"/>
+              </a:rPr>
+              <a:t>StatusId</a:t>
+            </a:r>
+            <a:r>
+              <a:rPr lang="en-US" sz="1600" dirty="0">
+                <a:effectLst/>
+                <a:latin typeface="Consolas" panose="020B0609020204030204" pitchFamily="49" charset="0"/>
+                <a:ea typeface="Calibri" panose="020F0502020204030204" pitchFamily="34" charset="0"/>
+                <a:cs typeface="Cascadia Mono" panose="020B0609020000020004" pitchFamily="49" charset="0"/>
+              </a:rPr>
+              <a:t>}" Value="3"&gt;</a:t>
+            </a:r>
+            <a:endParaRPr lang="ru-RU" sz="1600" dirty="0">
+              <a:effectLst/>
+              <a:latin typeface="Consolas" panose="020B0609020204030204" pitchFamily="49" charset="0"/>
+              <a:ea typeface="Times New Roman" panose="02020603050405020304" pitchFamily="18" charset="0"/>
+            </a:endParaRPr>
+          </a:p>
+          <a:p>
+            <a:pPr algn="l"/>
+            <a:r>
+              <a:rPr lang="ru-RU" sz="1600" dirty="0">
+                <a:effectLst/>
+                <a:latin typeface="Consolas" panose="020B0609020204030204" pitchFamily="49" charset="0"/>
+                <a:ea typeface="Calibri" panose="020F0502020204030204" pitchFamily="34" charset="0"/>
+                <a:cs typeface="Cascadia Mono" panose="020B0609020000020004" pitchFamily="49" charset="0"/>
+              </a:rPr>
+              <a:t>	</a:t>
+            </a:r>
+            <a:r>
+              <a:rPr lang="en-US" sz="1600" dirty="0">
+                <a:effectLst/>
+                <a:latin typeface="Consolas" panose="020B0609020204030204" pitchFamily="49" charset="0"/>
+                <a:ea typeface="Calibri" panose="020F0502020204030204" pitchFamily="34" charset="0"/>
+                <a:cs typeface="Cascadia Mono" panose="020B0609020000020004" pitchFamily="49" charset="0"/>
+              </a:rPr>
+              <a:t>&lt;Setter Property="Background" </a:t>
+            </a:r>
+            <a:endParaRPr lang="ru-RU" sz="1600" dirty="0">
+              <a:effectLst/>
+              <a:latin typeface="Consolas" panose="020B0609020204030204" pitchFamily="49" charset="0"/>
+              <a:ea typeface="Calibri" panose="020F0502020204030204" pitchFamily="34" charset="0"/>
+              <a:cs typeface="Cascadia Mono" panose="020B0609020000020004" pitchFamily="49" charset="0"/>
+            </a:endParaRPr>
+          </a:p>
+          <a:p>
+            <a:pPr algn="l"/>
+            <a:r>
+              <a:rPr lang="ru-RU" sz="1600" dirty="0">
+                <a:effectLst/>
+                <a:latin typeface="Consolas" panose="020B0609020204030204" pitchFamily="49" charset="0"/>
+                <a:ea typeface="Calibri" panose="020F0502020204030204" pitchFamily="34" charset="0"/>
+                <a:cs typeface="Cascadia Mono" panose="020B0609020000020004" pitchFamily="49" charset="0"/>
+              </a:rPr>
+              <a:t>	</a:t>
+            </a:r>
+            <a:r>
+              <a:rPr lang="en-US" sz="1600" dirty="0">
+                <a:effectLst/>
+                <a:latin typeface="Consolas" panose="020B0609020204030204" pitchFamily="49" charset="0"/>
+                <a:ea typeface="Calibri" panose="020F0502020204030204" pitchFamily="34" charset="0"/>
+                <a:cs typeface="Cascadia Mono" panose="020B0609020000020004" pitchFamily="49" charset="0"/>
+              </a:rPr>
+              <a:t>Value="</a:t>
+            </a:r>
+            <a:r>
+              <a:rPr lang="en-US" sz="1600" dirty="0" err="1">
+                <a:effectLst/>
+                <a:latin typeface="Consolas" panose="020B0609020204030204" pitchFamily="49" charset="0"/>
+                <a:ea typeface="Calibri" panose="020F0502020204030204" pitchFamily="34" charset="0"/>
+                <a:cs typeface="Cascadia Mono" panose="020B0609020000020004" pitchFamily="49" charset="0"/>
+              </a:rPr>
+              <a:t>LightGreen</a:t>
+            </a:r>
+            <a:r>
+              <a:rPr lang="en-US" sz="1600" dirty="0">
+                <a:effectLst/>
+                <a:latin typeface="Consolas" panose="020B0609020204030204" pitchFamily="49" charset="0"/>
+                <a:ea typeface="Calibri" panose="020F0502020204030204" pitchFamily="34" charset="0"/>
+                <a:cs typeface="Cascadia Mono" panose="020B0609020000020004" pitchFamily="49" charset="0"/>
+              </a:rPr>
+              <a:t>" /&gt;</a:t>
+            </a:r>
+            <a:endParaRPr lang="ru-RU" sz="1600" dirty="0">
+              <a:effectLst/>
+              <a:latin typeface="Consolas" panose="020B0609020204030204" pitchFamily="49" charset="0"/>
+              <a:ea typeface="Times New Roman" panose="02020603050405020304" pitchFamily="18" charset="0"/>
+            </a:endParaRPr>
+          </a:p>
+          <a:p>
+            <a:pPr algn="l"/>
+            <a:r>
+              <a:rPr lang="en-US" sz="1600" dirty="0">
+                <a:effectLst/>
+                <a:latin typeface="Consolas" panose="020B0609020204030204" pitchFamily="49" charset="0"/>
+                <a:ea typeface="Calibri" panose="020F0502020204030204" pitchFamily="34" charset="0"/>
+                <a:cs typeface="Cascadia Mono" panose="020B0609020000020004" pitchFamily="49" charset="0"/>
+              </a:rPr>
+              <a:t>&lt;/</a:t>
+            </a:r>
+            <a:r>
+              <a:rPr lang="en-US" sz="1600" dirty="0" err="1">
+                <a:effectLst/>
+                <a:latin typeface="Consolas" panose="020B0609020204030204" pitchFamily="49" charset="0"/>
+                <a:ea typeface="Calibri" panose="020F0502020204030204" pitchFamily="34" charset="0"/>
+                <a:cs typeface="Cascadia Mono" panose="020B0609020000020004" pitchFamily="49" charset="0"/>
+              </a:rPr>
+              <a:t>DataTrigger</a:t>
+            </a:r>
+            <a:r>
+              <a:rPr lang="en-US" sz="1600" dirty="0">
+                <a:effectLst/>
+                <a:latin typeface="Consolas" panose="020B0609020204030204" pitchFamily="49" charset="0"/>
+                <a:ea typeface="Calibri" panose="020F0502020204030204" pitchFamily="34" charset="0"/>
+                <a:cs typeface="Cascadia Mono" panose="020B0609020000020004" pitchFamily="49" charset="0"/>
+              </a:rPr>
+              <a:t>&gt;</a:t>
+            </a:r>
+            <a:endParaRPr lang="ru-RU" sz="1600" dirty="0">
+              <a:effectLst/>
+              <a:latin typeface="Consolas" panose="020B0609020204030204" pitchFamily="49" charset="0"/>
+              <a:ea typeface="Times New Roman" panose="02020603050405020304" pitchFamily="18" charset="0"/>
+            </a:endParaRPr>
+          </a:p>
+          <a:p>
+            <a:pPr algn="l"/>
+            <a:r>
+              <a:rPr lang="en-US" sz="1600" dirty="0">
+                <a:effectLst/>
+                <a:latin typeface="Consolas" panose="020B0609020204030204" pitchFamily="49" charset="0"/>
+                <a:ea typeface="Calibri" panose="020F0502020204030204" pitchFamily="34" charset="0"/>
+                <a:cs typeface="Cascadia Mono" panose="020B0609020000020004" pitchFamily="49" charset="0"/>
+              </a:rPr>
+              <a:t>&lt;</a:t>
+            </a:r>
+            <a:r>
+              <a:rPr lang="en-US" sz="1600" dirty="0" err="1">
+                <a:effectLst/>
+                <a:latin typeface="Consolas" panose="020B0609020204030204" pitchFamily="49" charset="0"/>
+                <a:ea typeface="Calibri" panose="020F0502020204030204" pitchFamily="34" charset="0"/>
+                <a:cs typeface="Cascadia Mono" panose="020B0609020000020004" pitchFamily="49" charset="0"/>
+              </a:rPr>
+              <a:t>DataTrigger</a:t>
+            </a:r>
+            <a:r>
+              <a:rPr lang="en-US" sz="1600" dirty="0">
+                <a:effectLst/>
+                <a:latin typeface="Consolas" panose="020B0609020204030204" pitchFamily="49" charset="0"/>
+                <a:ea typeface="Calibri" panose="020F0502020204030204" pitchFamily="34" charset="0"/>
+                <a:cs typeface="Cascadia Mono" panose="020B0609020000020004" pitchFamily="49" charset="0"/>
+              </a:rPr>
+              <a:t> </a:t>
+            </a:r>
+            <a:endParaRPr lang="ru-RU" sz="1600" dirty="0">
+              <a:effectLst/>
+              <a:latin typeface="Consolas" panose="020B0609020204030204" pitchFamily="49" charset="0"/>
+              <a:ea typeface="Calibri" panose="020F0502020204030204" pitchFamily="34" charset="0"/>
+              <a:cs typeface="Cascadia Mono" panose="020B0609020000020004" pitchFamily="49" charset="0"/>
+            </a:endParaRPr>
+          </a:p>
+          <a:p>
+            <a:pPr algn="l"/>
+            <a:r>
+              <a:rPr lang="en-US" sz="1600" dirty="0">
+                <a:effectLst/>
+                <a:latin typeface="Consolas" panose="020B0609020204030204" pitchFamily="49" charset="0"/>
+                <a:ea typeface="Calibri" panose="020F0502020204030204" pitchFamily="34" charset="0"/>
+                <a:cs typeface="Cascadia Mono" panose="020B0609020000020004" pitchFamily="49" charset="0"/>
+              </a:rPr>
+              <a:t>Binding="{Binding </a:t>
+            </a:r>
+            <a:r>
+              <a:rPr lang="en-US" sz="1600" dirty="0" err="1">
+                <a:effectLst/>
+                <a:latin typeface="Consolas" panose="020B0609020204030204" pitchFamily="49" charset="0"/>
+                <a:ea typeface="Calibri" panose="020F0502020204030204" pitchFamily="34" charset="0"/>
+                <a:cs typeface="Cascadia Mono" panose="020B0609020000020004" pitchFamily="49" charset="0"/>
+              </a:rPr>
+              <a:t>StatusId</a:t>
+            </a:r>
+            <a:r>
+              <a:rPr lang="en-US" sz="1600" dirty="0">
+                <a:effectLst/>
+                <a:latin typeface="Consolas" panose="020B0609020204030204" pitchFamily="49" charset="0"/>
+                <a:ea typeface="Calibri" panose="020F0502020204030204" pitchFamily="34" charset="0"/>
+                <a:cs typeface="Cascadia Mono" panose="020B0609020000020004" pitchFamily="49" charset="0"/>
+              </a:rPr>
+              <a:t>}"</a:t>
+            </a:r>
+            <a:r>
+              <a:rPr lang="ru-RU" sz="1600" dirty="0">
+                <a:effectLst/>
+                <a:latin typeface="Consolas" panose="020B0609020204030204" pitchFamily="49" charset="0"/>
+                <a:ea typeface="Calibri" panose="020F0502020204030204" pitchFamily="34" charset="0"/>
+                <a:cs typeface="Cascadia Mono" panose="020B0609020000020004" pitchFamily="49" charset="0"/>
+              </a:rPr>
+              <a:t> </a:t>
+            </a:r>
+            <a:r>
+              <a:rPr lang="en-US" sz="1600" dirty="0">
+                <a:effectLst/>
+                <a:latin typeface="Consolas" panose="020B0609020204030204" pitchFamily="49" charset="0"/>
+                <a:ea typeface="Calibri" panose="020F0502020204030204" pitchFamily="34" charset="0"/>
+                <a:cs typeface="Cascadia Mono" panose="020B0609020000020004" pitchFamily="49" charset="0"/>
+              </a:rPr>
+              <a:t>Value="1"&gt;</a:t>
+            </a:r>
+            <a:endParaRPr lang="ru-RU" sz="1600" dirty="0">
+              <a:effectLst/>
+              <a:latin typeface="Consolas" panose="020B0609020204030204" pitchFamily="49" charset="0"/>
+              <a:ea typeface="Times New Roman" panose="02020603050405020304" pitchFamily="18" charset="0"/>
+            </a:endParaRPr>
+          </a:p>
+          <a:p>
+            <a:pPr algn="l"/>
+            <a:r>
+              <a:rPr lang="ru-RU" sz="1600" dirty="0">
+                <a:effectLst/>
+                <a:latin typeface="Consolas" panose="020B0609020204030204" pitchFamily="49" charset="0"/>
+                <a:ea typeface="Calibri" panose="020F0502020204030204" pitchFamily="34" charset="0"/>
+                <a:cs typeface="Cascadia Mono" panose="020B0609020000020004" pitchFamily="49" charset="0"/>
+              </a:rPr>
+              <a:t>	</a:t>
+            </a:r>
+            <a:r>
+              <a:rPr lang="en-US" sz="1600" dirty="0">
+                <a:effectLst/>
+                <a:latin typeface="Consolas" panose="020B0609020204030204" pitchFamily="49" charset="0"/>
+                <a:ea typeface="Calibri" panose="020F0502020204030204" pitchFamily="34" charset="0"/>
+                <a:cs typeface="Cascadia Mono" panose="020B0609020000020004" pitchFamily="49" charset="0"/>
+              </a:rPr>
+              <a:t>&lt;Setter Property="Background" </a:t>
+            </a:r>
+            <a:endParaRPr lang="ru-RU" sz="1600" dirty="0">
+              <a:effectLst/>
+              <a:latin typeface="Consolas" panose="020B0609020204030204" pitchFamily="49" charset="0"/>
+              <a:ea typeface="Calibri" panose="020F0502020204030204" pitchFamily="34" charset="0"/>
+              <a:cs typeface="Cascadia Mono" panose="020B0609020000020004" pitchFamily="49" charset="0"/>
+            </a:endParaRPr>
+          </a:p>
+          <a:p>
+            <a:pPr algn="l"/>
+            <a:r>
+              <a:rPr lang="ru-RU" sz="1600" dirty="0">
+                <a:latin typeface="Consolas" panose="020B0609020204030204" pitchFamily="49" charset="0"/>
+                <a:ea typeface="Calibri" panose="020F0502020204030204" pitchFamily="34" charset="0"/>
+                <a:cs typeface="Cascadia Mono" panose="020B0609020000020004" pitchFamily="49" charset="0"/>
+              </a:rPr>
+              <a:t>	</a:t>
+            </a:r>
+            <a:r>
+              <a:rPr lang="en-US" sz="1600" dirty="0">
+                <a:effectLst/>
+                <a:latin typeface="Consolas" panose="020B0609020204030204" pitchFamily="49" charset="0"/>
+                <a:ea typeface="Calibri" panose="020F0502020204030204" pitchFamily="34" charset="0"/>
+                <a:cs typeface="Cascadia Mono" panose="020B0609020000020004" pitchFamily="49" charset="0"/>
+              </a:rPr>
+              <a:t>Value="</a:t>
+            </a:r>
+            <a:r>
+              <a:rPr lang="en-US" sz="1600" dirty="0" err="1">
+                <a:effectLst/>
+                <a:latin typeface="Consolas" panose="020B0609020204030204" pitchFamily="49" charset="0"/>
+                <a:ea typeface="Calibri" panose="020F0502020204030204" pitchFamily="34" charset="0"/>
+                <a:cs typeface="Cascadia Mono" panose="020B0609020000020004" pitchFamily="49" charset="0"/>
+              </a:rPr>
+              <a:t>LightCoral</a:t>
+            </a:r>
+            <a:r>
+              <a:rPr lang="en-US" sz="1600" dirty="0">
+                <a:effectLst/>
+                <a:latin typeface="Consolas" panose="020B0609020204030204" pitchFamily="49" charset="0"/>
+                <a:ea typeface="Calibri" panose="020F0502020204030204" pitchFamily="34" charset="0"/>
+                <a:cs typeface="Cascadia Mono" panose="020B0609020000020004" pitchFamily="49" charset="0"/>
+              </a:rPr>
+              <a:t>" /&gt;</a:t>
+            </a:r>
+            <a:endParaRPr lang="ru-RU" sz="1600" dirty="0">
+              <a:effectLst/>
+              <a:latin typeface="Consolas" panose="020B0609020204030204" pitchFamily="49" charset="0"/>
+              <a:ea typeface="Times New Roman" panose="02020603050405020304" pitchFamily="18" charset="0"/>
+            </a:endParaRPr>
+          </a:p>
+          <a:p>
+            <a:pPr algn="l"/>
+            <a:r>
+              <a:rPr lang="en-US" sz="1600" dirty="0">
+                <a:effectLst/>
+                <a:latin typeface="Consolas" panose="020B0609020204030204" pitchFamily="49" charset="0"/>
+                <a:ea typeface="Calibri" panose="020F0502020204030204" pitchFamily="34" charset="0"/>
+                <a:cs typeface="Cascadia Mono" panose="020B0609020000020004" pitchFamily="49" charset="0"/>
+              </a:rPr>
+              <a:t>&lt;/</a:t>
+            </a:r>
+            <a:r>
+              <a:rPr lang="en-US" sz="1600" dirty="0" err="1">
+                <a:effectLst/>
+                <a:latin typeface="Consolas" panose="020B0609020204030204" pitchFamily="49" charset="0"/>
+                <a:ea typeface="Calibri" panose="020F0502020204030204" pitchFamily="34" charset="0"/>
+                <a:cs typeface="Cascadia Mono" panose="020B0609020000020004" pitchFamily="49" charset="0"/>
+              </a:rPr>
+              <a:t>DataTrigger</a:t>
+            </a:r>
+            <a:r>
+              <a:rPr lang="en-US" sz="1600" dirty="0">
+                <a:effectLst/>
+                <a:latin typeface="Consolas" panose="020B0609020204030204" pitchFamily="49" charset="0"/>
+                <a:ea typeface="Calibri" panose="020F0502020204030204" pitchFamily="34" charset="0"/>
+                <a:cs typeface="Cascadia Mono" panose="020B0609020000020004" pitchFamily="49" charset="0"/>
+              </a:rPr>
+              <a:t>&gt;</a:t>
+            </a:r>
+            <a:endParaRPr lang="ru-RU" sz="1600" dirty="0">
+              <a:latin typeface="Consolas" panose="020B0609020204030204" pitchFamily="49" charset="0"/>
+            </a:endParaRPr>
+          </a:p>
+        </p:txBody>
+      </p:sp>
+    </p:spTree>
+    <p:extLst>
+      <p:ext uri="{BB962C8B-B14F-4D97-AF65-F5344CB8AC3E}">
+        <p14:creationId xmlns:p14="http://schemas.microsoft.com/office/powerpoint/2010/main" val="829378691"/>
+      </p:ext>
+    </p:extLst>
+  </p:cSld>
+  <p:clrMapOvr>
+    <a:masterClrMapping/>
+  </p:clrMapOvr>
 </p:sld>
 </file>
 
@@ -8582,884 +8443,95 @@
                 <a:latin typeface="Times New Roman" panose="02020603050405020304" pitchFamily="18" charset="0"/>
                 <a:cs typeface="Times New Roman" panose="02020603050405020304" pitchFamily="18" charset="0"/>
               </a:rPr>
-              <a:t>Руководство программиста</a:t>
-            </a:r>
-          </a:p>
-        </p:txBody>
-      </p:sp>
-      <p:sp>
-        <p:nvSpPr>
-          <p:cNvPr id="12" name="TextBox 11">
+              <a:t>Руководство пользователя</a:t>
+            </a:r>
+          </a:p>
+        </p:txBody>
+      </p:sp>
+      <p:sp>
+        <p:nvSpPr>
+          <p:cNvPr id="3" name="Прямоугольник: скругленные углы 2">
+            <a:hlinkClick r:id="rId2" action="ppaction://hlinkfile"/>
             <a:extLst>
               <a:ext uri="{FF2B5EF4-FFF2-40B4-BE49-F238E27FC236}">
-                <a16:creationId xmlns:a16="http://schemas.microsoft.com/office/drawing/2014/main" id="{87A12D1A-7070-4D47-A28D-E7F1BD214299}"/>
+                <a16:creationId xmlns:a16="http://schemas.microsoft.com/office/drawing/2014/main" id="{D7EE2451-B2A1-42FE-8A01-124B7C35D6F4}"/>
               </a:ext>
             </a:extLst>
           </p:cNvPr>
-          <p:cNvSpPr txBox="1"/>
+          <p:cNvSpPr/>
           <p:nvPr/>
         </p:nvSpPr>
         <p:spPr>
           <a:xfrm>
-            <a:off x="7642913" y="1787982"/>
-            <a:ext cx="4337422" cy="3216265"/>
+            <a:off x="5105400" y="5308414"/>
+            <a:ext cx="1981200" cy="745067"/>
           </a:xfrm>
-          <a:prstGeom prst="rect">
+          <a:prstGeom prst="roundRect">
             <a:avLst/>
           </a:prstGeom>
-          <a:noFill/>
         </p:spPr>
-        <p:txBody>
-          <a:bodyPr wrap="square">
-            <a:spAutoFit/>
-          </a:bodyPr>
+        <p:style>
+          <a:lnRef idx="2">
+            <a:schemeClr val="accent1">
+              <a:shade val="50000"/>
+            </a:schemeClr>
+          </a:lnRef>
+          <a:fillRef idx="1">
+            <a:schemeClr val="accent1"/>
+          </a:fillRef>
+          <a:effectRef idx="0">
+            <a:schemeClr val="accent1"/>
+          </a:effectRef>
+          <a:fontRef idx="minor">
+            <a:schemeClr val="lt1"/>
+          </a:fontRef>
+        </p:style>
+        <p:txBody>
+          <a:bodyPr rtlCol="0" anchor="ctr"/>
           <a:lstStyle/>
           <a:p>
-            <a:pPr algn="l">
-              <a:lnSpc>
-                <a:spcPct val="150000"/>
-              </a:lnSpc>
-            </a:pPr>
-            <a:r>
-              <a:rPr lang="ru-RU" sz="1600" dirty="0">
-                <a:latin typeface="Times New Roman" panose="02020603050405020304" pitchFamily="18" charset="0"/>
-                <a:ea typeface="Calibri" panose="020F0502020204030204" pitchFamily="34" charset="0"/>
-                <a:cs typeface="Times New Roman" panose="02020603050405020304" pitchFamily="18" charset="0"/>
-              </a:rPr>
-              <a:t>Метод проверки возможности сохранения:</a:t>
-            </a:r>
-            <a:endParaRPr lang="ru-RU" sz="1600" dirty="0">
-              <a:effectLst/>
-              <a:latin typeface="Times New Roman" panose="02020603050405020304" pitchFamily="18" charset="0"/>
-              <a:ea typeface="Calibri" panose="020F0502020204030204" pitchFamily="34" charset="0"/>
-              <a:cs typeface="Times New Roman" panose="02020603050405020304" pitchFamily="18" charset="0"/>
-            </a:endParaRPr>
-          </a:p>
-          <a:p>
-            <a:pPr algn="l"/>
-            <a:r>
-              <a:rPr lang="en-US" sz="1600" dirty="0">
-                <a:effectLst/>
-                <a:latin typeface="Consolas" panose="020B0609020204030204" pitchFamily="49" charset="0"/>
-                <a:ea typeface="Calibri" panose="020F0502020204030204" pitchFamily="34" charset="0"/>
-                <a:cs typeface="Consolas" panose="020B0609020204030204" pitchFamily="49" charset="0"/>
-              </a:rPr>
-              <a:t>public bool </a:t>
-            </a:r>
-            <a:r>
-              <a:rPr lang="en-US" sz="1600" dirty="0" err="1">
-                <a:effectLst/>
-                <a:latin typeface="Consolas" panose="020B0609020204030204" pitchFamily="49" charset="0"/>
-                <a:ea typeface="Calibri" panose="020F0502020204030204" pitchFamily="34" charset="0"/>
-                <a:cs typeface="Consolas" panose="020B0609020204030204" pitchFamily="49" charset="0"/>
-              </a:rPr>
-              <a:t>CanSave</a:t>
-            </a:r>
-            <a:r>
-              <a:rPr lang="en-US" sz="1600" dirty="0">
-                <a:effectLst/>
-                <a:latin typeface="Consolas" panose="020B0609020204030204" pitchFamily="49" charset="0"/>
-                <a:ea typeface="Calibri" panose="020F0502020204030204" pitchFamily="34" charset="0"/>
-                <a:cs typeface="Consolas" panose="020B0609020204030204" pitchFamily="49" charset="0"/>
-              </a:rPr>
-              <a:t>()</a:t>
-            </a:r>
-            <a:endParaRPr lang="ru-RU" sz="1600" dirty="0">
-              <a:effectLst/>
-              <a:latin typeface="Consolas" panose="020B0609020204030204" pitchFamily="49" charset="0"/>
-              <a:ea typeface="Times New Roman" panose="02020603050405020304" pitchFamily="18" charset="0"/>
-            </a:endParaRPr>
-          </a:p>
-          <a:p>
-            <a:pPr algn="l"/>
-            <a:r>
-              <a:rPr lang="en-US" sz="1600" dirty="0">
-                <a:effectLst/>
-                <a:latin typeface="Consolas" panose="020B0609020204030204" pitchFamily="49" charset="0"/>
-                <a:ea typeface="Calibri" panose="020F0502020204030204" pitchFamily="34" charset="0"/>
-                <a:cs typeface="Consolas" panose="020B0609020204030204" pitchFamily="49" charset="0"/>
-              </a:rPr>
-              <a:t>{</a:t>
-            </a:r>
-            <a:endParaRPr lang="ru-RU" sz="1600" dirty="0">
-              <a:latin typeface="Consolas" panose="020B0609020204030204" pitchFamily="49" charset="0"/>
-              <a:ea typeface="Calibri" panose="020F0502020204030204" pitchFamily="34" charset="0"/>
-            </a:endParaRPr>
-          </a:p>
-          <a:p>
-            <a:pPr algn="l"/>
-            <a:r>
-              <a:rPr lang="ru-RU" sz="1600" dirty="0">
-                <a:effectLst/>
-                <a:latin typeface="Consolas" panose="020B0609020204030204" pitchFamily="49" charset="0"/>
-                <a:ea typeface="Calibri" panose="020F0502020204030204" pitchFamily="34" charset="0"/>
-                <a:cs typeface="Consolas" panose="020B0609020204030204" pitchFamily="49" charset="0"/>
-              </a:rPr>
-              <a:t> </a:t>
-            </a:r>
-            <a:r>
-              <a:rPr lang="en-US" sz="1600" dirty="0">
-                <a:effectLst/>
-                <a:latin typeface="Consolas" panose="020B0609020204030204" pitchFamily="49" charset="0"/>
-                <a:ea typeface="Calibri" panose="020F0502020204030204" pitchFamily="34" charset="0"/>
-                <a:cs typeface="Consolas" panose="020B0609020204030204" pitchFamily="49" charset="0"/>
-              </a:rPr>
-              <a:t>bool t = false;</a:t>
-            </a:r>
-            <a:endParaRPr lang="ru-RU" sz="1600" dirty="0">
-              <a:effectLst/>
-              <a:latin typeface="Consolas" panose="020B0609020204030204" pitchFamily="49" charset="0"/>
-              <a:ea typeface="Times New Roman" panose="02020603050405020304" pitchFamily="18" charset="0"/>
-            </a:endParaRPr>
-          </a:p>
-          <a:p>
-            <a:pPr algn="l"/>
-            <a:r>
-              <a:rPr lang="ru-RU" sz="1600" dirty="0">
-                <a:effectLst/>
-                <a:latin typeface="Consolas" panose="020B0609020204030204" pitchFamily="49" charset="0"/>
-                <a:ea typeface="Calibri" panose="020F0502020204030204" pitchFamily="34" charset="0"/>
-                <a:cs typeface="Consolas" panose="020B0609020204030204" pitchFamily="49" charset="0"/>
-              </a:rPr>
-              <a:t> </a:t>
-            </a:r>
-            <a:r>
-              <a:rPr lang="en-US" sz="1600" dirty="0">
-                <a:effectLst/>
-                <a:latin typeface="Consolas" panose="020B0609020204030204" pitchFamily="49" charset="0"/>
-                <a:ea typeface="Calibri" panose="020F0502020204030204" pitchFamily="34" charset="0"/>
-                <a:cs typeface="Consolas" panose="020B0609020204030204" pitchFamily="49" charset="0"/>
-              </a:rPr>
-              <a:t>if (</a:t>
-            </a:r>
-            <a:r>
-              <a:rPr lang="en-US" sz="1600" dirty="0" err="1">
-                <a:effectLst/>
-                <a:latin typeface="Consolas" panose="020B0609020204030204" pitchFamily="49" charset="0"/>
-                <a:ea typeface="Calibri" panose="020F0502020204030204" pitchFamily="34" charset="0"/>
-                <a:cs typeface="Consolas" panose="020B0609020204030204" pitchFamily="49" charset="0"/>
-              </a:rPr>
-              <a:t>tbNote.Text</a:t>
-            </a:r>
-            <a:r>
-              <a:rPr lang="en-US" sz="1600" dirty="0">
-                <a:effectLst/>
-                <a:latin typeface="Consolas" panose="020B0609020204030204" pitchFamily="49" charset="0"/>
-                <a:ea typeface="Calibri" panose="020F0502020204030204" pitchFamily="34" charset="0"/>
-                <a:cs typeface="Consolas" panose="020B0609020204030204" pitchFamily="49" charset="0"/>
-              </a:rPr>
-              <a:t> != </a:t>
-            </a:r>
-            <a:r>
-              <a:rPr lang="en-US" sz="1600" dirty="0" err="1">
-                <a:effectLst/>
-                <a:latin typeface="Consolas" panose="020B0609020204030204" pitchFamily="49" charset="0"/>
-                <a:ea typeface="Calibri" panose="020F0502020204030204" pitchFamily="34" charset="0"/>
-                <a:cs typeface="Consolas" panose="020B0609020204030204" pitchFamily="49" charset="0"/>
-              </a:rPr>
-              <a:t>comp.note</a:t>
-            </a:r>
-            <a:r>
-              <a:rPr lang="en-US" sz="1600" dirty="0">
-                <a:effectLst/>
-                <a:latin typeface="Consolas" panose="020B0609020204030204" pitchFamily="49" charset="0"/>
-                <a:ea typeface="Calibri" panose="020F0502020204030204" pitchFamily="34" charset="0"/>
-                <a:cs typeface="Consolas" panose="020B0609020204030204" pitchFamily="49" charset="0"/>
-              </a:rPr>
-              <a:t>)</a:t>
-            </a:r>
-            <a:endParaRPr lang="ru-RU" sz="1600" dirty="0">
-              <a:effectLst/>
-              <a:latin typeface="Consolas" panose="020B0609020204030204" pitchFamily="49" charset="0"/>
-              <a:ea typeface="Times New Roman" panose="02020603050405020304" pitchFamily="18" charset="0"/>
-            </a:endParaRPr>
-          </a:p>
-          <a:p>
-            <a:pPr algn="l"/>
-            <a:r>
-              <a:rPr lang="ru-RU" sz="1600" dirty="0">
-                <a:effectLst/>
-                <a:latin typeface="Consolas" panose="020B0609020204030204" pitchFamily="49" charset="0"/>
-                <a:ea typeface="Calibri" panose="020F0502020204030204" pitchFamily="34" charset="0"/>
-                <a:cs typeface="Consolas" panose="020B0609020204030204" pitchFamily="49" charset="0"/>
-              </a:rPr>
-              <a:t>   </a:t>
-            </a:r>
-            <a:r>
-              <a:rPr lang="en-US" sz="1600" dirty="0">
-                <a:effectLst/>
-                <a:latin typeface="Consolas" panose="020B0609020204030204" pitchFamily="49" charset="0"/>
-                <a:ea typeface="Calibri" panose="020F0502020204030204" pitchFamily="34" charset="0"/>
-                <a:cs typeface="Consolas" panose="020B0609020204030204" pitchFamily="49" charset="0"/>
-              </a:rPr>
-              <a:t>t = t || true;</a:t>
-            </a:r>
-            <a:endParaRPr lang="ru-RU" sz="1600" dirty="0">
-              <a:effectLst/>
-              <a:latin typeface="Consolas" panose="020B0609020204030204" pitchFamily="49" charset="0"/>
-              <a:ea typeface="Times New Roman" panose="02020603050405020304" pitchFamily="18" charset="0"/>
-            </a:endParaRPr>
-          </a:p>
-          <a:p>
-            <a:pPr algn="l"/>
-            <a:r>
-              <a:rPr lang="ru-RU" sz="1600" dirty="0">
-                <a:effectLst/>
-                <a:latin typeface="Consolas" panose="020B0609020204030204" pitchFamily="49" charset="0"/>
-                <a:ea typeface="Calibri" panose="020F0502020204030204" pitchFamily="34" charset="0"/>
-                <a:cs typeface="Consolas" panose="020B0609020204030204" pitchFamily="49" charset="0"/>
-              </a:rPr>
-              <a:t> </a:t>
-            </a:r>
-            <a:r>
-              <a:rPr lang="en-US" sz="1600" dirty="0">
-                <a:effectLst/>
-                <a:latin typeface="Consolas" panose="020B0609020204030204" pitchFamily="49" charset="0"/>
-                <a:ea typeface="Calibri" panose="020F0502020204030204" pitchFamily="34" charset="0"/>
-                <a:cs typeface="Consolas" panose="020B0609020204030204" pitchFamily="49" charset="0"/>
-              </a:rPr>
-              <a:t>if (</a:t>
-            </a:r>
-            <a:r>
-              <a:rPr lang="en-US" sz="1600" dirty="0" err="1">
-                <a:effectLst/>
-                <a:latin typeface="Consolas" panose="020B0609020204030204" pitchFamily="49" charset="0"/>
-                <a:ea typeface="Calibri" panose="020F0502020204030204" pitchFamily="34" charset="0"/>
-                <a:cs typeface="Consolas" panose="020B0609020204030204" pitchFamily="49" charset="0"/>
-              </a:rPr>
-              <a:t>cbImport.SelectedItem</a:t>
-            </a:r>
-            <a:r>
-              <a:rPr lang="en-US" sz="1600" dirty="0">
-                <a:effectLst/>
-                <a:latin typeface="Consolas" panose="020B0609020204030204" pitchFamily="49" charset="0"/>
-                <a:ea typeface="Calibri" panose="020F0502020204030204" pitchFamily="34" charset="0"/>
-                <a:cs typeface="Consolas" panose="020B0609020204030204" pitchFamily="49" charset="0"/>
-              </a:rPr>
-              <a:t> != null)</a:t>
-            </a:r>
-            <a:endParaRPr lang="ru-RU" sz="1600" dirty="0">
-              <a:effectLst/>
-              <a:latin typeface="Consolas" panose="020B0609020204030204" pitchFamily="49" charset="0"/>
-              <a:ea typeface="Times New Roman" panose="02020603050405020304" pitchFamily="18" charset="0"/>
-            </a:endParaRPr>
-          </a:p>
-          <a:p>
-            <a:pPr algn="l"/>
-            <a:r>
-              <a:rPr lang="ru-RU" sz="1600" dirty="0">
-                <a:effectLst/>
-                <a:latin typeface="Consolas" panose="020B0609020204030204" pitchFamily="49" charset="0"/>
-                <a:ea typeface="Calibri" panose="020F0502020204030204" pitchFamily="34" charset="0"/>
-                <a:cs typeface="Consolas" panose="020B0609020204030204" pitchFamily="49" charset="0"/>
-              </a:rPr>
-              <a:t>   </a:t>
-            </a:r>
-            <a:r>
-              <a:rPr lang="en-US" sz="1600" dirty="0">
-                <a:effectLst/>
-                <a:latin typeface="Consolas" panose="020B0609020204030204" pitchFamily="49" charset="0"/>
-                <a:ea typeface="Calibri" panose="020F0502020204030204" pitchFamily="34" charset="0"/>
-                <a:cs typeface="Consolas" panose="020B0609020204030204" pitchFamily="49" charset="0"/>
-              </a:rPr>
-              <a:t>if (</a:t>
-            </a:r>
-            <a:r>
-              <a:rPr lang="en-US" sz="1600" dirty="0" err="1">
-                <a:effectLst/>
-                <a:latin typeface="Consolas" panose="020B0609020204030204" pitchFamily="49" charset="0"/>
-                <a:ea typeface="Calibri" panose="020F0502020204030204" pitchFamily="34" charset="0"/>
-                <a:cs typeface="Consolas" panose="020B0609020204030204" pitchFamily="49" charset="0"/>
-              </a:rPr>
-              <a:t>cbImport.SelectedIndex</a:t>
-            </a:r>
-            <a:r>
-              <a:rPr lang="en-US" sz="1600" dirty="0">
-                <a:effectLst/>
-                <a:latin typeface="Consolas" panose="020B0609020204030204" pitchFamily="49" charset="0"/>
-                <a:ea typeface="Calibri" panose="020F0502020204030204" pitchFamily="34" charset="0"/>
-                <a:cs typeface="Consolas" panose="020B0609020204030204" pitchFamily="49" charset="0"/>
-              </a:rPr>
-              <a:t> + 1 != </a:t>
-            </a:r>
-            <a:r>
-              <a:rPr lang="en-US" sz="1600" dirty="0" err="1">
-                <a:effectLst/>
-                <a:latin typeface="Consolas" panose="020B0609020204030204" pitchFamily="49" charset="0"/>
-                <a:ea typeface="Calibri" panose="020F0502020204030204" pitchFamily="34" charset="0"/>
-                <a:cs typeface="Consolas" panose="020B0609020204030204" pitchFamily="49" charset="0"/>
-              </a:rPr>
-              <a:t>comp.ImportanceId</a:t>
-            </a:r>
-            <a:r>
-              <a:rPr lang="en-US" sz="1600" dirty="0">
-                <a:effectLst/>
-                <a:latin typeface="Consolas" panose="020B0609020204030204" pitchFamily="49" charset="0"/>
-                <a:ea typeface="Calibri" panose="020F0502020204030204" pitchFamily="34" charset="0"/>
-                <a:cs typeface="Consolas" panose="020B0609020204030204" pitchFamily="49" charset="0"/>
-              </a:rPr>
-              <a:t>)</a:t>
-            </a:r>
-            <a:endParaRPr lang="ru-RU" sz="1600" dirty="0">
-              <a:effectLst/>
-              <a:latin typeface="Consolas" panose="020B0609020204030204" pitchFamily="49" charset="0"/>
-              <a:ea typeface="Times New Roman" panose="02020603050405020304" pitchFamily="18" charset="0"/>
-            </a:endParaRPr>
-          </a:p>
-          <a:p>
-            <a:pPr algn="l"/>
-            <a:r>
-              <a:rPr lang="ru-RU" sz="1600" dirty="0">
-                <a:effectLst/>
-                <a:latin typeface="Consolas" panose="020B0609020204030204" pitchFamily="49" charset="0"/>
-                <a:ea typeface="Calibri" panose="020F0502020204030204" pitchFamily="34" charset="0"/>
-                <a:cs typeface="Consolas" panose="020B0609020204030204" pitchFamily="49" charset="0"/>
-              </a:rPr>
-              <a:t>      </a:t>
-            </a:r>
-            <a:r>
-              <a:rPr lang="en-US" sz="1600" dirty="0">
-                <a:effectLst/>
-                <a:latin typeface="Consolas" panose="020B0609020204030204" pitchFamily="49" charset="0"/>
-                <a:ea typeface="Calibri" panose="020F0502020204030204" pitchFamily="34" charset="0"/>
-                <a:cs typeface="Consolas" panose="020B0609020204030204" pitchFamily="49" charset="0"/>
-              </a:rPr>
-              <a:t>t = t || true;</a:t>
-            </a:r>
-            <a:endParaRPr lang="ru-RU" sz="1600" dirty="0">
-              <a:effectLst/>
-              <a:latin typeface="Consolas" panose="020B0609020204030204" pitchFamily="49" charset="0"/>
-              <a:ea typeface="Times New Roman" panose="02020603050405020304" pitchFamily="18" charset="0"/>
-            </a:endParaRPr>
-          </a:p>
-          <a:p>
-            <a:pPr algn="l"/>
-            <a:r>
-              <a:rPr lang="ru-RU" sz="1600" dirty="0">
-                <a:effectLst/>
-                <a:latin typeface="Consolas" panose="020B0609020204030204" pitchFamily="49" charset="0"/>
-                <a:ea typeface="Calibri" panose="020F0502020204030204" pitchFamily="34" charset="0"/>
-                <a:cs typeface="Consolas" panose="020B0609020204030204" pitchFamily="49" charset="0"/>
-              </a:rPr>
-              <a:t> </a:t>
-            </a:r>
-            <a:r>
-              <a:rPr lang="en-US" sz="1600" dirty="0">
-                <a:effectLst/>
-                <a:latin typeface="Consolas" panose="020B0609020204030204" pitchFamily="49" charset="0"/>
-                <a:ea typeface="Calibri" panose="020F0502020204030204" pitchFamily="34" charset="0"/>
-                <a:cs typeface="Consolas" panose="020B0609020204030204" pitchFamily="49" charset="0"/>
-              </a:rPr>
-              <a:t>return t;</a:t>
-            </a:r>
-            <a:endParaRPr lang="ru-RU" sz="1600" dirty="0">
-              <a:effectLst/>
-              <a:latin typeface="Consolas" panose="020B0609020204030204" pitchFamily="49" charset="0"/>
-              <a:ea typeface="Times New Roman" panose="02020603050405020304" pitchFamily="18" charset="0"/>
-            </a:endParaRPr>
-          </a:p>
-          <a:p>
-            <a:pPr algn="l"/>
-            <a:r>
-              <a:rPr lang="ru-RU" sz="1600" dirty="0">
-                <a:effectLst/>
-                <a:latin typeface="Consolas" panose="020B0609020204030204" pitchFamily="49" charset="0"/>
-                <a:ea typeface="Calibri" panose="020F0502020204030204" pitchFamily="34" charset="0"/>
-                <a:cs typeface="Consolas" panose="020B0609020204030204" pitchFamily="49" charset="0"/>
-              </a:rPr>
-              <a:t>}</a:t>
-            </a:r>
-            <a:endParaRPr lang="ru-RU" sz="1600" dirty="0">
-              <a:latin typeface="Consolas" panose="020B0609020204030204" pitchFamily="49" charset="0"/>
-            </a:endParaRPr>
+            <a:pPr algn="ctr"/>
+            <a:r>
+              <a:rPr lang="ru-RU" dirty="0"/>
+              <a:t>Запустить Приложение</a:t>
+            </a:r>
           </a:p>
         </p:txBody>
       </p:sp>
       <p:pic>
         <p:nvPicPr>
-          <p:cNvPr id="17" name="Рисунок 16">
+          <p:cNvPr id="5" name="Рисунок 4">
             <a:extLst>
               <a:ext uri="{FF2B5EF4-FFF2-40B4-BE49-F238E27FC236}">
-                <a16:creationId xmlns:a16="http://schemas.microsoft.com/office/drawing/2014/main" id="{BCE2AD43-2E2C-4299-A04F-A083FD38F410}"/>
+                <a16:creationId xmlns:a16="http://schemas.microsoft.com/office/drawing/2014/main" id="{4C80AE64-EA00-44EF-8503-10754DD8814A}"/>
               </a:ext>
             </a:extLst>
           </p:cNvPr>
-          <p:cNvPicPr/>
+          <p:cNvPicPr>
+            <a:picLocks noChangeAspect="1"/>
+          </p:cNvPicPr>
           <p:nvPr/>
         </p:nvPicPr>
         <p:blipFill>
-          <a:blip r:embed="rId2"/>
+          <a:blip r:embed="rId3"/>
           <a:stretch>
             <a:fillRect/>
           </a:stretch>
         </p:blipFill>
         <p:spPr>
           <a:xfrm>
-            <a:off x="385989" y="2273775"/>
-            <a:ext cx="2091358" cy="3237717"/>
+            <a:off x="4338637" y="1976437"/>
+            <a:ext cx="3514725" cy="2905125"/>
           </a:xfrm>
           <a:prstGeom prst="rect">
             <a:avLst/>
           </a:prstGeom>
         </p:spPr>
       </p:pic>
-      <p:sp>
-        <p:nvSpPr>
-          <p:cNvPr id="18" name="TextBox 17">
-            <a:extLst>
-              <a:ext uri="{FF2B5EF4-FFF2-40B4-BE49-F238E27FC236}">
-                <a16:creationId xmlns:a16="http://schemas.microsoft.com/office/drawing/2014/main" id="{11792C5F-7F99-4E6A-9070-CDAB9FED2561}"/>
-              </a:ext>
-            </a:extLst>
-          </p:cNvPr>
-          <p:cNvSpPr txBox="1"/>
-          <p:nvPr/>
-        </p:nvSpPr>
-        <p:spPr>
-          <a:xfrm>
-            <a:off x="-703004" y="5454010"/>
-            <a:ext cx="4828147" cy="369332"/>
-          </a:xfrm>
-          <a:prstGeom prst="rect">
-            <a:avLst/>
-          </a:prstGeom>
-          <a:noFill/>
-        </p:spPr>
-        <p:txBody>
-          <a:bodyPr wrap="square" rtlCol="0">
-            <a:spAutoFit/>
-          </a:bodyPr>
-          <a:lstStyle/>
-          <a:p>
-            <a:pPr algn="ctr"/>
-            <a:r>
-              <a:rPr lang="ru-RU" dirty="0">
-                <a:latin typeface="Times New Roman" panose="02020603050405020304" pitchFamily="18" charset="0"/>
-                <a:cs typeface="Times New Roman" panose="02020603050405020304" pitchFamily="18" charset="0"/>
-              </a:rPr>
-              <a:t>Модель данных в приложении</a:t>
-            </a:r>
-          </a:p>
-        </p:txBody>
-      </p:sp>
-      <p:sp>
-        <p:nvSpPr>
-          <p:cNvPr id="19" name="TextBox 18">
-            <a:extLst>
-              <a:ext uri="{FF2B5EF4-FFF2-40B4-BE49-F238E27FC236}">
-                <a16:creationId xmlns:a16="http://schemas.microsoft.com/office/drawing/2014/main" id="{BE20A783-7127-4955-BE29-5BB68C22AA21}"/>
-              </a:ext>
-            </a:extLst>
-          </p:cNvPr>
-          <p:cNvSpPr txBox="1"/>
-          <p:nvPr/>
-        </p:nvSpPr>
-        <p:spPr>
-          <a:xfrm>
-            <a:off x="2586600" y="1897068"/>
-            <a:ext cx="4643935" cy="2800767"/>
-          </a:xfrm>
-          <a:prstGeom prst="rect">
-            <a:avLst/>
-          </a:prstGeom>
-          <a:noFill/>
-        </p:spPr>
-        <p:txBody>
-          <a:bodyPr wrap="square">
-            <a:spAutoFit/>
-          </a:bodyPr>
-          <a:lstStyle/>
-          <a:p>
-            <a:r>
-              <a:rPr lang="ru-RU" sz="1600" dirty="0">
-                <a:latin typeface="Times New Roman" panose="02020603050405020304" pitchFamily="18" charset="0"/>
-                <a:ea typeface="Calibri" panose="020F0502020204030204" pitchFamily="34" charset="0"/>
-                <a:cs typeface="Times New Roman" panose="02020603050405020304" pitchFamily="18" charset="0"/>
-              </a:rPr>
-              <a:t>Триггер для смены цвета ячейки статуса в таблице:</a:t>
-            </a:r>
-            <a:endParaRPr lang="ru-RU" sz="1600" dirty="0">
-              <a:effectLst/>
-              <a:latin typeface="Consolas" panose="020B0609020204030204" pitchFamily="49" charset="0"/>
-              <a:ea typeface="Calibri" panose="020F0502020204030204" pitchFamily="34" charset="0"/>
-              <a:cs typeface="Cascadia Mono" panose="020B0609020000020004" pitchFamily="49" charset="0"/>
-            </a:endParaRPr>
-          </a:p>
-          <a:p>
-            <a:pPr algn="l"/>
-            <a:r>
-              <a:rPr lang="en-US" sz="1600" dirty="0">
-                <a:effectLst/>
-                <a:latin typeface="Consolas" panose="020B0609020204030204" pitchFamily="49" charset="0"/>
-                <a:ea typeface="Calibri" panose="020F0502020204030204" pitchFamily="34" charset="0"/>
-                <a:cs typeface="Cascadia Mono" panose="020B0609020000020004" pitchFamily="49" charset="0"/>
-              </a:rPr>
-              <a:t>&lt;</a:t>
-            </a:r>
-            <a:r>
-              <a:rPr lang="en-US" sz="1600" dirty="0" err="1">
-                <a:effectLst/>
-                <a:latin typeface="Consolas" panose="020B0609020204030204" pitchFamily="49" charset="0"/>
-                <a:ea typeface="Calibri" panose="020F0502020204030204" pitchFamily="34" charset="0"/>
-                <a:cs typeface="Cascadia Mono" panose="020B0609020000020004" pitchFamily="49" charset="0"/>
-              </a:rPr>
-              <a:t>DataTrigger</a:t>
-            </a:r>
-            <a:r>
-              <a:rPr lang="en-US" sz="1600" dirty="0">
-                <a:effectLst/>
-                <a:latin typeface="Consolas" panose="020B0609020204030204" pitchFamily="49" charset="0"/>
-                <a:ea typeface="Calibri" panose="020F0502020204030204" pitchFamily="34" charset="0"/>
-                <a:cs typeface="Cascadia Mono" panose="020B0609020000020004" pitchFamily="49" charset="0"/>
-              </a:rPr>
-              <a:t> </a:t>
-            </a:r>
-            <a:endParaRPr lang="ru-RU" sz="1600" dirty="0">
-              <a:effectLst/>
-              <a:latin typeface="Consolas" panose="020B0609020204030204" pitchFamily="49" charset="0"/>
-              <a:ea typeface="Calibri" panose="020F0502020204030204" pitchFamily="34" charset="0"/>
-              <a:cs typeface="Cascadia Mono" panose="020B0609020000020004" pitchFamily="49" charset="0"/>
-            </a:endParaRPr>
-          </a:p>
-          <a:p>
-            <a:pPr algn="l"/>
-            <a:r>
-              <a:rPr lang="en-US" sz="1600" dirty="0">
-                <a:effectLst/>
-                <a:latin typeface="Consolas" panose="020B0609020204030204" pitchFamily="49" charset="0"/>
-                <a:ea typeface="Calibri" panose="020F0502020204030204" pitchFamily="34" charset="0"/>
-                <a:cs typeface="Cascadia Mono" panose="020B0609020000020004" pitchFamily="49" charset="0"/>
-              </a:rPr>
-              <a:t>Binding="{Binding </a:t>
-            </a:r>
-            <a:r>
-              <a:rPr lang="en-US" sz="1600" dirty="0" err="1">
-                <a:effectLst/>
-                <a:latin typeface="Consolas" panose="020B0609020204030204" pitchFamily="49" charset="0"/>
-                <a:ea typeface="Calibri" panose="020F0502020204030204" pitchFamily="34" charset="0"/>
-                <a:cs typeface="Cascadia Mono" panose="020B0609020000020004" pitchFamily="49" charset="0"/>
-              </a:rPr>
-              <a:t>StatusId</a:t>
-            </a:r>
-            <a:r>
-              <a:rPr lang="en-US" sz="1600" dirty="0">
-                <a:effectLst/>
-                <a:latin typeface="Consolas" panose="020B0609020204030204" pitchFamily="49" charset="0"/>
-                <a:ea typeface="Calibri" panose="020F0502020204030204" pitchFamily="34" charset="0"/>
-                <a:cs typeface="Cascadia Mono" panose="020B0609020000020004" pitchFamily="49" charset="0"/>
-              </a:rPr>
-              <a:t>}" Value="3"&gt;</a:t>
-            </a:r>
-            <a:endParaRPr lang="ru-RU" sz="1600" dirty="0">
-              <a:effectLst/>
-              <a:latin typeface="Consolas" panose="020B0609020204030204" pitchFamily="49" charset="0"/>
-              <a:ea typeface="Times New Roman" panose="02020603050405020304" pitchFamily="18" charset="0"/>
-            </a:endParaRPr>
-          </a:p>
-          <a:p>
-            <a:pPr algn="l"/>
-            <a:r>
-              <a:rPr lang="ru-RU" sz="1600" dirty="0">
-                <a:effectLst/>
-                <a:latin typeface="Consolas" panose="020B0609020204030204" pitchFamily="49" charset="0"/>
-                <a:ea typeface="Calibri" panose="020F0502020204030204" pitchFamily="34" charset="0"/>
-                <a:cs typeface="Cascadia Mono" panose="020B0609020000020004" pitchFamily="49" charset="0"/>
-              </a:rPr>
-              <a:t>	</a:t>
-            </a:r>
-            <a:r>
-              <a:rPr lang="en-US" sz="1600" dirty="0">
-                <a:effectLst/>
-                <a:latin typeface="Consolas" panose="020B0609020204030204" pitchFamily="49" charset="0"/>
-                <a:ea typeface="Calibri" panose="020F0502020204030204" pitchFamily="34" charset="0"/>
-                <a:cs typeface="Cascadia Mono" panose="020B0609020000020004" pitchFamily="49" charset="0"/>
-              </a:rPr>
-              <a:t>&lt;Setter Property="Background" </a:t>
-            </a:r>
-            <a:endParaRPr lang="ru-RU" sz="1600" dirty="0">
-              <a:effectLst/>
-              <a:latin typeface="Consolas" panose="020B0609020204030204" pitchFamily="49" charset="0"/>
-              <a:ea typeface="Calibri" panose="020F0502020204030204" pitchFamily="34" charset="0"/>
-              <a:cs typeface="Cascadia Mono" panose="020B0609020000020004" pitchFamily="49" charset="0"/>
-            </a:endParaRPr>
-          </a:p>
-          <a:p>
-            <a:pPr algn="l"/>
-            <a:r>
-              <a:rPr lang="ru-RU" sz="1600" dirty="0">
-                <a:effectLst/>
-                <a:latin typeface="Consolas" panose="020B0609020204030204" pitchFamily="49" charset="0"/>
-                <a:ea typeface="Calibri" panose="020F0502020204030204" pitchFamily="34" charset="0"/>
-                <a:cs typeface="Cascadia Mono" panose="020B0609020000020004" pitchFamily="49" charset="0"/>
-              </a:rPr>
-              <a:t>	</a:t>
-            </a:r>
-            <a:r>
-              <a:rPr lang="en-US" sz="1600" dirty="0">
-                <a:effectLst/>
-                <a:latin typeface="Consolas" panose="020B0609020204030204" pitchFamily="49" charset="0"/>
-                <a:ea typeface="Calibri" panose="020F0502020204030204" pitchFamily="34" charset="0"/>
-                <a:cs typeface="Cascadia Mono" panose="020B0609020000020004" pitchFamily="49" charset="0"/>
-              </a:rPr>
-              <a:t>Value="</a:t>
-            </a:r>
-            <a:r>
-              <a:rPr lang="en-US" sz="1600" dirty="0" err="1">
-                <a:effectLst/>
-                <a:latin typeface="Consolas" panose="020B0609020204030204" pitchFamily="49" charset="0"/>
-                <a:ea typeface="Calibri" panose="020F0502020204030204" pitchFamily="34" charset="0"/>
-                <a:cs typeface="Cascadia Mono" panose="020B0609020000020004" pitchFamily="49" charset="0"/>
-              </a:rPr>
-              <a:t>LightGreen</a:t>
-            </a:r>
-            <a:r>
-              <a:rPr lang="en-US" sz="1600" dirty="0">
-                <a:effectLst/>
-                <a:latin typeface="Consolas" panose="020B0609020204030204" pitchFamily="49" charset="0"/>
-                <a:ea typeface="Calibri" panose="020F0502020204030204" pitchFamily="34" charset="0"/>
-                <a:cs typeface="Cascadia Mono" panose="020B0609020000020004" pitchFamily="49" charset="0"/>
-              </a:rPr>
-              <a:t>" /&gt;</a:t>
-            </a:r>
-            <a:endParaRPr lang="ru-RU" sz="1600" dirty="0">
-              <a:effectLst/>
-              <a:latin typeface="Consolas" panose="020B0609020204030204" pitchFamily="49" charset="0"/>
-              <a:ea typeface="Times New Roman" panose="02020603050405020304" pitchFamily="18" charset="0"/>
-            </a:endParaRPr>
-          </a:p>
-          <a:p>
-            <a:pPr algn="l"/>
-            <a:r>
-              <a:rPr lang="en-US" sz="1600" dirty="0">
-                <a:effectLst/>
-                <a:latin typeface="Consolas" panose="020B0609020204030204" pitchFamily="49" charset="0"/>
-                <a:ea typeface="Calibri" panose="020F0502020204030204" pitchFamily="34" charset="0"/>
-                <a:cs typeface="Cascadia Mono" panose="020B0609020000020004" pitchFamily="49" charset="0"/>
-              </a:rPr>
-              <a:t>&lt;/</a:t>
-            </a:r>
-            <a:r>
-              <a:rPr lang="en-US" sz="1600" dirty="0" err="1">
-                <a:effectLst/>
-                <a:latin typeface="Consolas" panose="020B0609020204030204" pitchFamily="49" charset="0"/>
-                <a:ea typeface="Calibri" panose="020F0502020204030204" pitchFamily="34" charset="0"/>
-                <a:cs typeface="Cascadia Mono" panose="020B0609020000020004" pitchFamily="49" charset="0"/>
-              </a:rPr>
-              <a:t>DataTrigger</a:t>
-            </a:r>
-            <a:r>
-              <a:rPr lang="en-US" sz="1600" dirty="0">
-                <a:effectLst/>
-                <a:latin typeface="Consolas" panose="020B0609020204030204" pitchFamily="49" charset="0"/>
-                <a:ea typeface="Calibri" panose="020F0502020204030204" pitchFamily="34" charset="0"/>
-                <a:cs typeface="Cascadia Mono" panose="020B0609020000020004" pitchFamily="49" charset="0"/>
-              </a:rPr>
-              <a:t>&gt;</a:t>
-            </a:r>
-            <a:endParaRPr lang="ru-RU" sz="1600" dirty="0">
-              <a:effectLst/>
-              <a:latin typeface="Consolas" panose="020B0609020204030204" pitchFamily="49" charset="0"/>
-              <a:ea typeface="Times New Roman" panose="02020603050405020304" pitchFamily="18" charset="0"/>
-            </a:endParaRPr>
-          </a:p>
-          <a:p>
-            <a:pPr algn="l"/>
-            <a:r>
-              <a:rPr lang="en-US" sz="1600" dirty="0">
-                <a:effectLst/>
-                <a:latin typeface="Consolas" panose="020B0609020204030204" pitchFamily="49" charset="0"/>
-                <a:ea typeface="Calibri" panose="020F0502020204030204" pitchFamily="34" charset="0"/>
-                <a:cs typeface="Cascadia Mono" panose="020B0609020000020004" pitchFamily="49" charset="0"/>
-              </a:rPr>
-              <a:t>&lt;</a:t>
-            </a:r>
-            <a:r>
-              <a:rPr lang="en-US" sz="1600" dirty="0" err="1">
-                <a:effectLst/>
-                <a:latin typeface="Consolas" panose="020B0609020204030204" pitchFamily="49" charset="0"/>
-                <a:ea typeface="Calibri" panose="020F0502020204030204" pitchFamily="34" charset="0"/>
-                <a:cs typeface="Cascadia Mono" panose="020B0609020000020004" pitchFamily="49" charset="0"/>
-              </a:rPr>
-              <a:t>DataTrigger</a:t>
-            </a:r>
-            <a:r>
-              <a:rPr lang="en-US" sz="1600" dirty="0">
-                <a:effectLst/>
-                <a:latin typeface="Consolas" panose="020B0609020204030204" pitchFamily="49" charset="0"/>
-                <a:ea typeface="Calibri" panose="020F0502020204030204" pitchFamily="34" charset="0"/>
-                <a:cs typeface="Cascadia Mono" panose="020B0609020000020004" pitchFamily="49" charset="0"/>
-              </a:rPr>
-              <a:t> </a:t>
-            </a:r>
-            <a:endParaRPr lang="ru-RU" sz="1600" dirty="0">
-              <a:effectLst/>
-              <a:latin typeface="Consolas" panose="020B0609020204030204" pitchFamily="49" charset="0"/>
-              <a:ea typeface="Calibri" panose="020F0502020204030204" pitchFamily="34" charset="0"/>
-              <a:cs typeface="Cascadia Mono" panose="020B0609020000020004" pitchFamily="49" charset="0"/>
-            </a:endParaRPr>
-          </a:p>
-          <a:p>
-            <a:pPr algn="l"/>
-            <a:r>
-              <a:rPr lang="en-US" sz="1600" dirty="0">
-                <a:effectLst/>
-                <a:latin typeface="Consolas" panose="020B0609020204030204" pitchFamily="49" charset="0"/>
-                <a:ea typeface="Calibri" panose="020F0502020204030204" pitchFamily="34" charset="0"/>
-                <a:cs typeface="Cascadia Mono" panose="020B0609020000020004" pitchFamily="49" charset="0"/>
-              </a:rPr>
-              <a:t>Binding="{Binding </a:t>
-            </a:r>
-            <a:r>
-              <a:rPr lang="en-US" sz="1600" dirty="0" err="1">
-                <a:effectLst/>
-                <a:latin typeface="Consolas" panose="020B0609020204030204" pitchFamily="49" charset="0"/>
-                <a:ea typeface="Calibri" panose="020F0502020204030204" pitchFamily="34" charset="0"/>
-                <a:cs typeface="Cascadia Mono" panose="020B0609020000020004" pitchFamily="49" charset="0"/>
-              </a:rPr>
-              <a:t>StatusId</a:t>
-            </a:r>
-            <a:r>
-              <a:rPr lang="en-US" sz="1600" dirty="0">
-                <a:effectLst/>
-                <a:latin typeface="Consolas" panose="020B0609020204030204" pitchFamily="49" charset="0"/>
-                <a:ea typeface="Calibri" panose="020F0502020204030204" pitchFamily="34" charset="0"/>
-                <a:cs typeface="Cascadia Mono" panose="020B0609020000020004" pitchFamily="49" charset="0"/>
-              </a:rPr>
-              <a:t>}"</a:t>
-            </a:r>
-            <a:r>
-              <a:rPr lang="ru-RU" sz="1600" dirty="0">
-                <a:effectLst/>
-                <a:latin typeface="Consolas" panose="020B0609020204030204" pitchFamily="49" charset="0"/>
-                <a:ea typeface="Calibri" panose="020F0502020204030204" pitchFamily="34" charset="0"/>
-                <a:cs typeface="Cascadia Mono" panose="020B0609020000020004" pitchFamily="49" charset="0"/>
-              </a:rPr>
-              <a:t> </a:t>
-            </a:r>
-            <a:r>
-              <a:rPr lang="en-US" sz="1600" dirty="0">
-                <a:effectLst/>
-                <a:latin typeface="Consolas" panose="020B0609020204030204" pitchFamily="49" charset="0"/>
-                <a:ea typeface="Calibri" panose="020F0502020204030204" pitchFamily="34" charset="0"/>
-                <a:cs typeface="Cascadia Mono" panose="020B0609020000020004" pitchFamily="49" charset="0"/>
-              </a:rPr>
-              <a:t>Value="1"&gt;</a:t>
-            </a:r>
-            <a:endParaRPr lang="ru-RU" sz="1600" dirty="0">
-              <a:effectLst/>
-              <a:latin typeface="Consolas" panose="020B0609020204030204" pitchFamily="49" charset="0"/>
-              <a:ea typeface="Times New Roman" panose="02020603050405020304" pitchFamily="18" charset="0"/>
-            </a:endParaRPr>
-          </a:p>
-          <a:p>
-            <a:pPr algn="l"/>
-            <a:r>
-              <a:rPr lang="ru-RU" sz="1600" dirty="0">
-                <a:effectLst/>
-                <a:latin typeface="Consolas" panose="020B0609020204030204" pitchFamily="49" charset="0"/>
-                <a:ea typeface="Calibri" panose="020F0502020204030204" pitchFamily="34" charset="0"/>
-                <a:cs typeface="Cascadia Mono" panose="020B0609020000020004" pitchFamily="49" charset="0"/>
-              </a:rPr>
-              <a:t>	</a:t>
-            </a:r>
-            <a:r>
-              <a:rPr lang="en-US" sz="1600" dirty="0">
-                <a:effectLst/>
-                <a:latin typeface="Consolas" panose="020B0609020204030204" pitchFamily="49" charset="0"/>
-                <a:ea typeface="Calibri" panose="020F0502020204030204" pitchFamily="34" charset="0"/>
-                <a:cs typeface="Cascadia Mono" panose="020B0609020000020004" pitchFamily="49" charset="0"/>
-              </a:rPr>
-              <a:t>&lt;Setter Property="Background" </a:t>
-            </a:r>
-            <a:endParaRPr lang="ru-RU" sz="1600" dirty="0">
-              <a:effectLst/>
-              <a:latin typeface="Consolas" panose="020B0609020204030204" pitchFamily="49" charset="0"/>
-              <a:ea typeface="Calibri" panose="020F0502020204030204" pitchFamily="34" charset="0"/>
-              <a:cs typeface="Cascadia Mono" panose="020B0609020000020004" pitchFamily="49" charset="0"/>
-            </a:endParaRPr>
-          </a:p>
-          <a:p>
-            <a:pPr algn="l"/>
-            <a:r>
-              <a:rPr lang="ru-RU" sz="1600" dirty="0">
-                <a:latin typeface="Consolas" panose="020B0609020204030204" pitchFamily="49" charset="0"/>
-                <a:ea typeface="Calibri" panose="020F0502020204030204" pitchFamily="34" charset="0"/>
-                <a:cs typeface="Cascadia Mono" panose="020B0609020000020004" pitchFamily="49" charset="0"/>
-              </a:rPr>
-              <a:t>	</a:t>
-            </a:r>
-            <a:r>
-              <a:rPr lang="en-US" sz="1600" dirty="0">
-                <a:effectLst/>
-                <a:latin typeface="Consolas" panose="020B0609020204030204" pitchFamily="49" charset="0"/>
-                <a:ea typeface="Calibri" panose="020F0502020204030204" pitchFamily="34" charset="0"/>
-                <a:cs typeface="Cascadia Mono" panose="020B0609020000020004" pitchFamily="49" charset="0"/>
-              </a:rPr>
-              <a:t>Value="</a:t>
-            </a:r>
-            <a:r>
-              <a:rPr lang="en-US" sz="1600" dirty="0" err="1">
-                <a:effectLst/>
-                <a:latin typeface="Consolas" panose="020B0609020204030204" pitchFamily="49" charset="0"/>
-                <a:ea typeface="Calibri" panose="020F0502020204030204" pitchFamily="34" charset="0"/>
-                <a:cs typeface="Cascadia Mono" panose="020B0609020000020004" pitchFamily="49" charset="0"/>
-              </a:rPr>
-              <a:t>LightCoral</a:t>
-            </a:r>
-            <a:r>
-              <a:rPr lang="en-US" sz="1600" dirty="0">
-                <a:effectLst/>
-                <a:latin typeface="Consolas" panose="020B0609020204030204" pitchFamily="49" charset="0"/>
-                <a:ea typeface="Calibri" panose="020F0502020204030204" pitchFamily="34" charset="0"/>
-                <a:cs typeface="Cascadia Mono" panose="020B0609020000020004" pitchFamily="49" charset="0"/>
-              </a:rPr>
-              <a:t>" /&gt;</a:t>
-            </a:r>
-            <a:endParaRPr lang="ru-RU" sz="1600" dirty="0">
-              <a:effectLst/>
-              <a:latin typeface="Consolas" panose="020B0609020204030204" pitchFamily="49" charset="0"/>
-              <a:ea typeface="Times New Roman" panose="02020603050405020304" pitchFamily="18" charset="0"/>
-            </a:endParaRPr>
-          </a:p>
-          <a:p>
-            <a:pPr algn="l"/>
-            <a:r>
-              <a:rPr lang="en-US" sz="1600" dirty="0">
-                <a:effectLst/>
-                <a:latin typeface="Consolas" panose="020B0609020204030204" pitchFamily="49" charset="0"/>
-                <a:ea typeface="Calibri" panose="020F0502020204030204" pitchFamily="34" charset="0"/>
-                <a:cs typeface="Cascadia Mono" panose="020B0609020000020004" pitchFamily="49" charset="0"/>
-              </a:rPr>
-              <a:t>&lt;/</a:t>
-            </a:r>
-            <a:r>
-              <a:rPr lang="en-US" sz="1600" dirty="0" err="1">
-                <a:effectLst/>
-                <a:latin typeface="Consolas" panose="020B0609020204030204" pitchFamily="49" charset="0"/>
-                <a:ea typeface="Calibri" panose="020F0502020204030204" pitchFamily="34" charset="0"/>
-                <a:cs typeface="Cascadia Mono" panose="020B0609020000020004" pitchFamily="49" charset="0"/>
-              </a:rPr>
-              <a:t>DataTrigger</a:t>
-            </a:r>
-            <a:r>
-              <a:rPr lang="en-US" sz="1600" dirty="0">
-                <a:effectLst/>
-                <a:latin typeface="Consolas" panose="020B0609020204030204" pitchFamily="49" charset="0"/>
-                <a:ea typeface="Calibri" panose="020F0502020204030204" pitchFamily="34" charset="0"/>
-                <a:cs typeface="Cascadia Mono" panose="020B0609020000020004" pitchFamily="49" charset="0"/>
-              </a:rPr>
-              <a:t>&gt;</a:t>
-            </a:r>
-            <a:endParaRPr lang="ru-RU" sz="1600" dirty="0">
-              <a:latin typeface="Consolas" panose="020B0609020204030204" pitchFamily="49" charset="0"/>
-            </a:endParaRPr>
-          </a:p>
-        </p:txBody>
-      </p:sp>
     </p:spTree>
     <p:extLst>
       <p:ext uri="{BB962C8B-B14F-4D97-AF65-F5344CB8AC3E}">
-        <p14:creationId xmlns:p14="http://schemas.microsoft.com/office/powerpoint/2010/main" val="829378691"/>
+        <p14:creationId xmlns:p14="http://schemas.microsoft.com/office/powerpoint/2010/main" val="2807418991"/>
       </p:ext>
     </p:extLst>
   </p:cSld>
@@ -9512,65 +8584,174 @@
                 <a:latin typeface="Times New Roman" panose="02020603050405020304" pitchFamily="18" charset="0"/>
                 <a:cs typeface="Times New Roman" panose="02020603050405020304" pitchFamily="18" charset="0"/>
               </a:rPr>
-              <a:t>Руководство пользователя</a:t>
-            </a:r>
-          </a:p>
-        </p:txBody>
-      </p:sp>
-      <p:sp>
-        <p:nvSpPr>
-          <p:cNvPr id="3" name="Прямоугольник: скругленные углы 2">
-            <a:hlinkClick r:id="rId2" action="ppaction://hlinkfile"/>
+              <a:t>Тестирование ПО</a:t>
+            </a:r>
+          </a:p>
+        </p:txBody>
+      </p:sp>
+      <p:sp>
+        <p:nvSpPr>
+          <p:cNvPr id="9" name="TextBox 8">
             <a:extLst>
               <a:ext uri="{FF2B5EF4-FFF2-40B4-BE49-F238E27FC236}">
-                <a16:creationId xmlns:a16="http://schemas.microsoft.com/office/drawing/2014/main" id="{D7EE2451-B2A1-42FE-8A01-124B7C35D6F4}"/>
+                <a16:creationId xmlns:a16="http://schemas.microsoft.com/office/drawing/2014/main" id="{04A8BFE5-6059-47E4-BA4F-DE732B34EB28}"/>
               </a:ext>
             </a:extLst>
           </p:cNvPr>
-          <p:cNvSpPr/>
+          <p:cNvSpPr txBox="1"/>
           <p:nvPr/>
         </p:nvSpPr>
         <p:spPr>
           <a:xfrm>
-            <a:off x="5105400" y="5308414"/>
-            <a:ext cx="1981200" cy="745067"/>
+            <a:off x="1451578" y="1853754"/>
+            <a:ext cx="9603275" cy="1938992"/>
           </a:xfrm>
-          <a:prstGeom prst="roundRect">
+          <a:prstGeom prst="rect">
+            <a:avLst/>
+          </a:prstGeom>
+          <a:noFill/>
+        </p:spPr>
+        <p:txBody>
+          <a:bodyPr wrap="square" rtlCol="0">
+            <a:spAutoFit/>
+          </a:bodyPr>
+          <a:lstStyle/>
+          <a:p>
+            <a:r>
+              <a:rPr lang="ru-RU" sz="2000" dirty="0">
+                <a:latin typeface="Times New Roman" panose="02020603050405020304" pitchFamily="18" charset="0"/>
+                <a:cs typeface="Times New Roman" panose="02020603050405020304" pitchFamily="18" charset="0"/>
+              </a:rPr>
+              <a:t>Тестирование Черного ящика</a:t>
+            </a:r>
+          </a:p>
+          <a:p>
+            <a:r>
+              <a:rPr lang="ru-RU" sz="2000" dirty="0">
+                <a:latin typeface="Times New Roman" panose="02020603050405020304" pitchFamily="18" charset="0"/>
+                <a:cs typeface="Times New Roman" panose="02020603050405020304" pitchFamily="18" charset="0"/>
+              </a:rPr>
+              <a:t>Пример:</a:t>
+            </a:r>
+          </a:p>
+          <a:p>
+            <a:pPr marL="342900" indent="-342900">
+              <a:buFont typeface="Arial" panose="020B0604020202020204" pitchFamily="34" charset="0"/>
+              <a:buChar char="•"/>
+            </a:pPr>
+            <a:r>
+              <a:rPr lang="ru-RU" sz="2000" dirty="0">
+                <a:latin typeface="Times New Roman" panose="02020603050405020304" pitchFamily="18" charset="0"/>
+                <a:cs typeface="Times New Roman" panose="02020603050405020304" pitchFamily="18" charset="0"/>
+              </a:rPr>
+              <a:t>Запустить приложение</a:t>
+            </a:r>
+          </a:p>
+          <a:p>
+            <a:pPr marL="342900" indent="-342900">
+              <a:buFont typeface="Arial" panose="020B0604020202020204" pitchFamily="34" charset="0"/>
+              <a:buChar char="•"/>
+            </a:pPr>
+            <a:r>
+              <a:rPr lang="ru-RU" sz="2000" dirty="0">
+                <a:latin typeface="Times New Roman" panose="02020603050405020304" pitchFamily="18" charset="0"/>
+                <a:cs typeface="Times New Roman" panose="02020603050405020304" pitchFamily="18" charset="0"/>
+              </a:rPr>
+              <a:t>Двойным щелчком перейти на окно информации о закрытой заявке</a:t>
+            </a:r>
+          </a:p>
+          <a:p>
+            <a:pPr marL="342900" indent="-342900">
+              <a:buFont typeface="Arial" panose="020B0604020202020204" pitchFamily="34" charset="0"/>
+              <a:buChar char="•"/>
+            </a:pPr>
+            <a:r>
+              <a:rPr lang="ru-RU" sz="2000" dirty="0">
+                <a:latin typeface="Times New Roman" panose="02020603050405020304" pitchFamily="18" charset="0"/>
+                <a:cs typeface="Times New Roman" panose="02020603050405020304" pitchFamily="18" charset="0"/>
+              </a:rPr>
+              <a:t>Попытаться поменять важность (важность меняться не должна)</a:t>
+            </a:r>
+          </a:p>
+          <a:p>
+            <a:pPr marL="342900" indent="-342900">
+              <a:buFont typeface="Arial" panose="020B0604020202020204" pitchFamily="34" charset="0"/>
+              <a:buChar char="•"/>
+            </a:pPr>
+            <a:r>
+              <a:rPr lang="ru-RU" sz="2000" dirty="0">
+                <a:latin typeface="Times New Roman" panose="02020603050405020304" pitchFamily="18" charset="0"/>
+                <a:cs typeface="Times New Roman" panose="02020603050405020304" pitchFamily="18" charset="0"/>
+              </a:rPr>
+              <a:t>Результат – визуально важность меняется, но не фиксируется</a:t>
+            </a:r>
+          </a:p>
+        </p:txBody>
+      </p:sp>
+      <p:pic>
+        <p:nvPicPr>
+          <p:cNvPr id="4" name="Рисунок 3">
+            <a:extLst>
+              <a:ext uri="{FF2B5EF4-FFF2-40B4-BE49-F238E27FC236}">
+                <a16:creationId xmlns:a16="http://schemas.microsoft.com/office/drawing/2014/main" id="{8E26CBF5-2796-4C21-97DD-E29AC427E8BC}"/>
+              </a:ext>
+            </a:extLst>
+          </p:cNvPr>
+          <p:cNvPicPr>
+            <a:picLocks noChangeAspect="1"/>
+          </p:cNvPicPr>
+          <p:nvPr/>
+        </p:nvPicPr>
+        <p:blipFill>
+          <a:blip r:embed="rId2"/>
+          <a:stretch>
+            <a:fillRect/>
+          </a:stretch>
+        </p:blipFill>
+        <p:spPr>
+          <a:xfrm>
+            <a:off x="415395" y="3792745"/>
+            <a:ext cx="4173945" cy="2159321"/>
+          </a:xfrm>
+          <a:prstGeom prst="rect">
             <a:avLst/>
           </a:prstGeom>
         </p:spPr>
-        <p:style>
-          <a:lnRef idx="2">
-            <a:schemeClr val="accent1">
-              <a:shade val="50000"/>
-            </a:schemeClr>
-          </a:lnRef>
-          <a:fillRef idx="1">
-            <a:schemeClr val="accent1"/>
-          </a:fillRef>
-          <a:effectRef idx="0">
-            <a:schemeClr val="accent1"/>
-          </a:effectRef>
-          <a:fontRef idx="minor">
-            <a:schemeClr val="lt1"/>
-          </a:fontRef>
-        </p:style>
-        <p:txBody>
-          <a:bodyPr rtlCol="0" anchor="ctr"/>
-          <a:lstStyle/>
-          <a:p>
-            <a:pPr algn="ctr"/>
-            <a:r>
-              <a:rPr lang="ru-RU" dirty="0"/>
-              <a:t>Запустить Приложение</a:t>
-            </a:r>
-          </a:p>
-        </p:txBody>
-      </p:sp>
+      </p:pic>
+      <p:pic>
+        <p:nvPicPr>
+          <p:cNvPr id="6" name="Рисунок 5">
+            <a:extLst>
+              <a:ext uri="{FF2B5EF4-FFF2-40B4-BE49-F238E27FC236}">
+                <a16:creationId xmlns:a16="http://schemas.microsoft.com/office/drawing/2014/main" id="{4B3AC5B4-C0FF-4550-A6B1-F28351C20217}"/>
+              </a:ext>
+            </a:extLst>
+          </p:cNvPr>
+          <p:cNvPicPr>
+            <a:picLocks noChangeAspect="1"/>
+          </p:cNvPicPr>
+          <p:nvPr/>
+        </p:nvPicPr>
+        <p:blipFill>
+          <a:blip r:embed="rId3"/>
+          <a:stretch>
+            <a:fillRect/>
+          </a:stretch>
+        </p:blipFill>
+        <p:spPr>
+          <a:xfrm>
+            <a:off x="5917141" y="3792745"/>
+            <a:ext cx="3988028" cy="2159321"/>
+          </a:xfrm>
+          <a:prstGeom prst="rect">
+            <a:avLst/>
+          </a:prstGeom>
+        </p:spPr>
+      </p:pic>
     </p:spTree>
     <p:extLst>
       <p:ext uri="{BB962C8B-B14F-4D97-AF65-F5344CB8AC3E}">
-        <p14:creationId xmlns:p14="http://schemas.microsoft.com/office/powerpoint/2010/main" val="2807418991"/>
+        <p14:creationId xmlns:p14="http://schemas.microsoft.com/office/powerpoint/2010/main" val="2340706770"/>
       </p:ext>
     </p:extLst>
   </p:cSld>
@@ -9661,7 +8842,7 @@
                 <a:latin typeface="Times New Roman" panose="02020603050405020304" pitchFamily="18" charset="0"/>
                 <a:cs typeface="Times New Roman" panose="02020603050405020304" pitchFamily="18" charset="0"/>
               </a:rPr>
-              <a:t>Тестирование Черного ящика</a:t>
+              <a:t>Интеграционное тестирование белого ящика</a:t>
             </a:r>
           </a:p>
           <a:p>
@@ -9696,15 +8877,12 @@
                 <a:latin typeface="Times New Roman" panose="02020603050405020304" pitchFamily="18" charset="0"/>
                 <a:cs typeface="Times New Roman" panose="02020603050405020304" pitchFamily="18" charset="0"/>
               </a:rPr>
-              <a:t>На странице статистики за период открыть </a:t>
-            </a:r>
-            <a:r>
-              <a:rPr lang="ru-RU" sz="2000" b="1" dirty="0">
-                <a:latin typeface="Times New Roman" panose="02020603050405020304" pitchFamily="18" charset="0"/>
-                <a:cs typeface="Times New Roman" panose="02020603050405020304" pitchFamily="18" charset="0"/>
-              </a:rPr>
-              <a:t>Выбор даты </a:t>
-            </a:r>
+              <a:t>На главном окне нажать двойным щелчком ПКМ, для перехода в окно сведений о рекламации</a:t>
+            </a:r>
+            <a:endParaRPr lang="ru-RU" sz="2000" b="1" dirty="0">
+              <a:latin typeface="Times New Roman" panose="02020603050405020304" pitchFamily="18" charset="0"/>
+              <a:cs typeface="Times New Roman" panose="02020603050405020304" pitchFamily="18" charset="0"/>
+            </a:endParaRPr>
           </a:p>
           <a:p>
             <a:pPr marL="342900" indent="-342900">
@@ -9716,17 +8894,17 @@
                 <a:latin typeface="Times New Roman" panose="02020603050405020304" pitchFamily="18" charset="0"/>
                 <a:cs typeface="Times New Roman" panose="02020603050405020304" pitchFamily="18" charset="0"/>
               </a:rPr>
-              <a:t>Доступны только те даты, которые находятся в период с 1 января 2021 до 2 января 2022</a:t>
+              <a:t>Передается именно тот объект который был выбран на предыдущем окне:</a:t>
             </a:r>
           </a:p>
         </p:txBody>
       </p:sp>
       <p:pic>
         <p:nvPicPr>
-          <p:cNvPr id="10" name="Рисунок 9">
+          <p:cNvPr id="5" name="Рисунок 4">
             <a:extLst>
               <a:ext uri="{FF2B5EF4-FFF2-40B4-BE49-F238E27FC236}">
-                <a16:creationId xmlns:a16="http://schemas.microsoft.com/office/drawing/2014/main" id="{410AA01E-25E1-42FC-A353-A20DA0222D36}"/>
+                <a16:creationId xmlns:a16="http://schemas.microsoft.com/office/drawing/2014/main" id="{55364625-150A-4812-A019-63A1A083D611}"/>
               </a:ext>
             </a:extLst>
           </p:cNvPr>
@@ -9735,65 +8913,182 @@
         </p:nvPicPr>
         <p:blipFill rotWithShape="1">
           <a:blip r:embed="rId2"/>
-          <a:srcRect t="13182"/>
+          <a:srcRect l="29818" r="21942"/>
           <a:stretch/>
         </p:blipFill>
-        <p:spPr bwMode="auto">
+        <p:spPr>
           <a:xfrm>
-            <a:off x="3339514" y="3771872"/>
-            <a:ext cx="5512972" cy="2281609"/>
+            <a:off x="4013199" y="3792746"/>
+            <a:ext cx="4202191" cy="2821414"/>
           </a:xfrm>
           <a:prstGeom prst="rect">
             <a:avLst/>
           </a:prstGeom>
-          <a:ln w="12700" cap="sq" cmpd="sng" algn="ctr">
+          <a:ln w="12700">
             <a:solidFill>
-              <a:srgbClr val="000000"/>
+              <a:schemeClr val="tx1"/>
             </a:solidFill>
-            <a:prstDash val="solid"/>
-            <a:miter lim="800000"/>
-            <a:headEnd type="none" w="med" len="med"/>
-            <a:tailEnd type="none" w="med" len="med"/>
+          </a:ln>
+        </p:spPr>
+      </p:pic>
+      <p:pic>
+        <p:nvPicPr>
+          <p:cNvPr id="6" name="Рисунок 5">
             <a:extLst>
-              <a:ext uri="{C807C97D-BFC1-408E-A445-0C87EB9F89A2}">
-                <ask:lineSketchStyleProps xmlns:ask="http://schemas.microsoft.com/office/drawing/2018/sketchyshapes" sd="0">
-                  <a:custGeom>
-                    <a:avLst/>
-                    <a:gdLst/>
-                    <a:ahLst/>
-                    <a:cxnLst/>
-                    <a:rect l="0" t="0" r="0" b="0"/>
-                    <a:pathLst/>
-                  </a:custGeom>
-                  <ask:type/>
-                </ask:lineSketchStyleProps>
+              <a:ext uri="{FF2B5EF4-FFF2-40B4-BE49-F238E27FC236}">
+                <a16:creationId xmlns:a16="http://schemas.microsoft.com/office/drawing/2014/main" id="{6F465239-A29A-4BA6-B4F3-521A84C0879C}"/>
               </a:ext>
             </a:extLst>
-          </a:ln>
-          <a:effectLst>
-            <a:outerShdw blurRad="50800" dist="38100" dir="2700000" algn="tl" rotWithShape="0">
-              <a:srgbClr val="000000">
-                <a:alpha val="43000"/>
-              </a:srgbClr>
-            </a:outerShdw>
-          </a:effectLst>
-          <a:extLst>
-            <a:ext uri="{53640926-AAD7-44D8-BBD7-CCE9431645EC}">
-              <a14:shadowObscured xmlns:a14="http://schemas.microsoft.com/office/drawing/2010/main"/>
-            </a:ext>
-          </a:extLst>
+          </p:cNvPr>
+          <p:cNvPicPr>
+            <a:picLocks noChangeAspect="1"/>
+          </p:cNvPicPr>
+          <p:nvPr/>
+        </p:nvPicPr>
+        <p:blipFill>
+          <a:blip r:embed="rId3"/>
+          <a:stretch>
+            <a:fillRect/>
+          </a:stretch>
+        </p:blipFill>
+        <p:spPr>
+          <a:xfrm>
+            <a:off x="1743075" y="3792746"/>
+            <a:ext cx="8705850" cy="2124075"/>
+          </a:xfrm>
+          <a:prstGeom prst="rect">
+            <a:avLst/>
+          </a:prstGeom>
         </p:spPr>
       </p:pic>
     </p:spTree>
     <p:extLst>
       <p:ext uri="{BB962C8B-B14F-4D97-AF65-F5344CB8AC3E}">
-        <p14:creationId xmlns:p14="http://schemas.microsoft.com/office/powerpoint/2010/main" val="2340706770"/>
+        <p14:creationId xmlns:p14="http://schemas.microsoft.com/office/powerpoint/2010/main" val="1955947767"/>
       </p:ext>
     </p:extLst>
   </p:cSld>
   <p:clrMapOvr>
     <a:masterClrMapping/>
   </p:clrMapOvr>
+  <p:timing>
+    <p:tnLst>
+      <p:par>
+        <p:cTn id="1" dur="indefinite" restart="never" nodeType="tmRoot">
+          <p:childTnLst>
+            <p:seq concurrent="1" nextAc="seek">
+              <p:cTn id="2" dur="indefinite" nodeType="mainSeq">
+                <p:childTnLst>
+                  <p:par>
+                    <p:cTn id="3" fill="hold">
+                      <p:stCondLst>
+                        <p:cond delay="indefinite"/>
+                      </p:stCondLst>
+                      <p:childTnLst>
+                        <p:par>
+                          <p:cTn id="4" fill="hold">
+                            <p:stCondLst>
+                              <p:cond delay="0"/>
+                            </p:stCondLst>
+                            <p:childTnLst>
+                              <p:par>
+                                <p:cTn id="5" presetID="10" presetClass="exit" presetSubtype="0" fill="hold" nodeType="clickEffect">
+                                  <p:stCondLst>
+                                    <p:cond delay="0"/>
+                                  </p:stCondLst>
+                                  <p:childTnLst>
+                                    <p:animEffect transition="out" filter="fade">
+                                      <p:cBhvr>
+                                        <p:cTn id="6" dur="500"/>
+                                        <p:tgtEl>
+                                          <p:spTgt spid="6"/>
+                                        </p:tgtEl>
+                                      </p:cBhvr>
+                                    </p:animEffect>
+                                    <p:set>
+                                      <p:cBhvr>
+                                        <p:cTn id="7" dur="1" fill="hold">
+                                          <p:stCondLst>
+                                            <p:cond delay="499"/>
+                                          </p:stCondLst>
+                                        </p:cTn>
+                                        <p:tgtEl>
+                                          <p:spTgt spid="6"/>
+                                        </p:tgtEl>
+                                        <p:attrNameLst>
+                                          <p:attrName>style.visibility</p:attrName>
+                                        </p:attrNameLst>
+                                      </p:cBhvr>
+                                      <p:to>
+                                        <p:strVal val="hidden"/>
+                                      </p:to>
+                                    </p:set>
+                                  </p:childTnLst>
+                                </p:cTn>
+                              </p:par>
+                              <p:par>
+                                <p:cTn id="8" presetID="10" presetClass="entr" presetSubtype="0" fill="hold" nodeType="withEffect">
+                                  <p:stCondLst>
+                                    <p:cond delay="200"/>
+                                  </p:stCondLst>
+                                  <p:childTnLst>
+                                    <p:set>
+                                      <p:cBhvr>
+                                        <p:cTn id="9" dur="1" fill="hold">
+                                          <p:stCondLst>
+                                            <p:cond delay="0"/>
+                                          </p:stCondLst>
+                                        </p:cTn>
+                                        <p:tgtEl>
+                                          <p:spTgt spid="5"/>
+                                        </p:tgtEl>
+                                        <p:attrNameLst>
+                                          <p:attrName>style.visibility</p:attrName>
+                                        </p:attrNameLst>
+                                      </p:cBhvr>
+                                      <p:to>
+                                        <p:strVal val="visible"/>
+                                      </p:to>
+                                    </p:set>
+                                    <p:animEffect transition="in" filter="fade">
+                                      <p:cBhvr>
+                                        <p:cTn id="10" dur="500"/>
+                                        <p:tgtEl>
+                                          <p:spTgt spid="5"/>
+                                        </p:tgtEl>
+                                      </p:cBhvr>
+                                    </p:animEffect>
+                                  </p:childTnLst>
+                                </p:cTn>
+                              </p:par>
+                            </p:childTnLst>
+                          </p:cTn>
+                        </p:par>
+                      </p:childTnLst>
+                    </p:cTn>
+                  </p:par>
+                </p:childTnLst>
+              </p:cTn>
+              <p:prevCondLst>
+                <p:cond evt="onPrev" delay="0">
+                  <p:tgtEl>
+                    <p:sldTgt/>
+                  </p:tgtEl>
+                </p:cond>
+              </p:prevCondLst>
+              <p:nextCondLst>
+                <p:cond evt="onNext" delay="0">
+                  <p:tgtEl>
+                    <p:sldTgt/>
+                  </p:tgtEl>
+                </p:cond>
+              </p:nextCondLst>
+            </p:seq>
+          </p:childTnLst>
+        </p:cTn>
+      </p:par>
+    </p:tnLst>
+  </p:timing>
 </p:sld>
 </file>
 
